--- a/Probability Project Pacmann.pptx
+++ b/Probability Project Pacmann.pptx
@@ -22,10 +22,8 @@
     <p:sldId id="271" r:id="rId16"/>
     <p:sldId id="272" r:id="rId17"/>
     <p:sldId id="273" r:id="rId18"/>
-    <p:sldId id="274" r:id="rId19"/>
-    <p:sldId id="275" r:id="rId20"/>
-    <p:sldId id="276" r:id="rId21"/>
-    <p:sldId id="277" r:id="rId22"/>
+    <p:sldId id="276" r:id="rId19"/>
+    <p:sldId id="277" r:id="rId20"/>
   </p:sldIdLst>
   <p:sldSz cx="12192000" cy="6858000"/>
   <p:notesSz cx="6858000" cy="9144000"/>
@@ -124,6 +122,11 @@
       </a:defRPr>
     </a:lvl9pPr>
   </p:defaultTextStyle>
+  <p:extLst>
+    <p:ext uri="{EFAFB233-063F-42B5-8137-9DF3F51BA10A}">
+      <p15:sldGuideLst xmlns:p15="http://schemas.microsoft.com/office/powerpoint/2012/main"/>
+    </p:ext>
+  </p:extLst>
 </p:presentation>
 </file>
 
@@ -276,7 +279,7 @@
           <a:p>
             <a:fld id="{D499DD0F-9D84-4319-AC85-B5A715C032CA}" type="datetimeFigureOut">
               <a:rPr lang="en-ID" smtClean="0"/>
-              <a:t>08/07/2023</a:t>
+              <a:t>09/07/2023</a:t>
             </a:fld>
             <a:endParaRPr lang="en-ID"/>
           </a:p>
@@ -476,7 +479,7 @@
           <a:p>
             <a:fld id="{D499DD0F-9D84-4319-AC85-B5A715C032CA}" type="datetimeFigureOut">
               <a:rPr lang="en-ID" smtClean="0"/>
-              <a:t>08/07/2023</a:t>
+              <a:t>09/07/2023</a:t>
             </a:fld>
             <a:endParaRPr lang="en-ID"/>
           </a:p>
@@ -686,7 +689,7 @@
           <a:p>
             <a:fld id="{D499DD0F-9D84-4319-AC85-B5A715C032CA}" type="datetimeFigureOut">
               <a:rPr lang="en-ID" smtClean="0"/>
-              <a:t>08/07/2023</a:t>
+              <a:t>09/07/2023</a:t>
             </a:fld>
             <a:endParaRPr lang="en-ID"/>
           </a:p>
@@ -886,7 +889,7 @@
           <a:p>
             <a:fld id="{D499DD0F-9D84-4319-AC85-B5A715C032CA}" type="datetimeFigureOut">
               <a:rPr lang="en-ID" smtClean="0"/>
-              <a:t>08/07/2023</a:t>
+              <a:t>09/07/2023</a:t>
             </a:fld>
             <a:endParaRPr lang="en-ID"/>
           </a:p>
@@ -1162,7 +1165,7 @@
           <a:p>
             <a:fld id="{D499DD0F-9D84-4319-AC85-B5A715C032CA}" type="datetimeFigureOut">
               <a:rPr lang="en-ID" smtClean="0"/>
-              <a:t>08/07/2023</a:t>
+              <a:t>09/07/2023</a:t>
             </a:fld>
             <a:endParaRPr lang="en-ID"/>
           </a:p>
@@ -1430,7 +1433,7 @@
           <a:p>
             <a:fld id="{D499DD0F-9D84-4319-AC85-B5A715C032CA}" type="datetimeFigureOut">
               <a:rPr lang="en-ID" smtClean="0"/>
-              <a:t>08/07/2023</a:t>
+              <a:t>09/07/2023</a:t>
             </a:fld>
             <a:endParaRPr lang="en-ID"/>
           </a:p>
@@ -1845,7 +1848,7 @@
           <a:p>
             <a:fld id="{D499DD0F-9D84-4319-AC85-B5A715C032CA}" type="datetimeFigureOut">
               <a:rPr lang="en-ID" smtClean="0"/>
-              <a:t>08/07/2023</a:t>
+              <a:t>09/07/2023</a:t>
             </a:fld>
             <a:endParaRPr lang="en-ID"/>
           </a:p>
@@ -1987,7 +1990,7 @@
           <a:p>
             <a:fld id="{D499DD0F-9D84-4319-AC85-B5A715C032CA}" type="datetimeFigureOut">
               <a:rPr lang="en-ID" smtClean="0"/>
-              <a:t>08/07/2023</a:t>
+              <a:t>09/07/2023</a:t>
             </a:fld>
             <a:endParaRPr lang="en-ID"/>
           </a:p>
@@ -2100,7 +2103,7 @@
           <a:p>
             <a:fld id="{D499DD0F-9D84-4319-AC85-B5A715C032CA}" type="datetimeFigureOut">
               <a:rPr lang="en-ID" smtClean="0"/>
-              <a:t>08/07/2023</a:t>
+              <a:t>09/07/2023</a:t>
             </a:fld>
             <a:endParaRPr lang="en-ID"/>
           </a:p>
@@ -2413,7 +2416,7 @@
           <a:p>
             <a:fld id="{D499DD0F-9D84-4319-AC85-B5A715C032CA}" type="datetimeFigureOut">
               <a:rPr lang="en-ID" smtClean="0"/>
-              <a:t>08/07/2023</a:t>
+              <a:t>09/07/2023</a:t>
             </a:fld>
             <a:endParaRPr lang="en-ID"/>
           </a:p>
@@ -2702,7 +2705,7 @@
           <a:p>
             <a:fld id="{D499DD0F-9D84-4319-AC85-B5A715C032CA}" type="datetimeFigureOut">
               <a:rPr lang="en-ID" smtClean="0"/>
-              <a:t>08/07/2023</a:t>
+              <a:t>09/07/2023</a:t>
             </a:fld>
             <a:endParaRPr lang="en-ID"/>
           </a:p>
@@ -2945,7 +2948,7 @@
           <a:p>
             <a:fld id="{D499DD0F-9D84-4319-AC85-B5A715C032CA}" type="datetimeFigureOut">
               <a:rPr lang="en-ID" smtClean="0"/>
-              <a:t>08/07/2023</a:t>
+              <a:t>09/07/2023</a:t>
             </a:fld>
             <a:endParaRPr lang="en-ID"/>
           </a:p>
@@ -6278,15 +6281,15 @@
             </a:pPr>
             <a:r>
               <a:rPr lang="en-ID" b="1" dirty="0" err="1"/>
-              <a:t>Tagihan</a:t>
+              <a:t>Apakah</a:t>
             </a:r>
             <a:r>
               <a:rPr lang="en-ID" b="1" dirty="0"/>
-              <a:t> </a:t>
+              <a:t> rata-rata </a:t>
             </a:r>
             <a:r>
               <a:rPr lang="en-ID" b="1" dirty="0" err="1"/>
-              <a:t>kesehatan</a:t>
+              <a:t>tagihan</a:t>
             </a:r>
             <a:r>
               <a:rPr lang="en-ID" b="1" dirty="0"/>
@@ -6310,7 +6313,7 @@
             </a:r>
             <a:r>
               <a:rPr lang="en-ID" b="1" dirty="0" err="1"/>
-              <a:t>tinggi</a:t>
+              <a:t>besar</a:t>
             </a:r>
             <a:r>
               <a:rPr lang="en-ID" b="1" dirty="0"/>
@@ -6330,38 +6333,25 @@
             </a:r>
             <a:r>
               <a:rPr lang="en-ID" b="1" dirty="0"/>
-              <a:t> </a:t>
-            </a:r>
-            <a:r>
-              <a:rPr lang="en-ID" b="1" dirty="0" err="1"/>
-              <a:t>kesehatan</a:t>
-            </a:r>
-            <a:r>
-              <a:rPr lang="en-ID" b="1" dirty="0"/>
               <a:t> non </a:t>
             </a:r>
             <a:r>
               <a:rPr lang="en-ID" b="1" dirty="0" err="1"/>
               <a:t>perokok</a:t>
             </a:r>
-            <a:endParaRPr lang="en-ID" dirty="0"/>
-          </a:p>
-          <a:p>
-            <a:r>
-              <a:rPr lang="en-ID" dirty="0"/>
-              <a:t>H0 = </a:t>
-            </a:r>
-            <a:r>
-              <a:rPr lang="en-ID" dirty="0" err="1"/>
-              <a:t>Tagihan</a:t>
-            </a:r>
-            <a:r>
-              <a:rPr lang="en-ID" dirty="0"/>
-              <a:t> </a:t>
-            </a:r>
-            <a:r>
-              <a:rPr lang="en-ID" dirty="0" err="1"/>
-              <a:t>kesehatan</a:t>
+            <a:r>
+              <a:rPr lang="en-ID" b="1" dirty="0"/>
+              <a:t>?</a:t>
+            </a:r>
+          </a:p>
+          <a:p>
+            <a:r>
+              <a:rPr lang="en-ID" dirty="0"/>
+              <a:t>H0: Rata-rata </a:t>
+            </a:r>
+            <a:r>
+              <a:rPr lang="en-ID" dirty="0" err="1"/>
+              <a:t>tagihan</a:t>
             </a:r>
             <a:r>
               <a:rPr lang="en-ID" dirty="0"/>
@@ -6373,7 +6363,15 @@
             </a:r>
             <a:r>
               <a:rPr lang="en-ID" dirty="0"/>
-              <a:t> dan non </a:t>
+              <a:t> = rata-rata </a:t>
+            </a:r>
+            <a:r>
+              <a:rPr lang="en-ID" dirty="0" err="1"/>
+              <a:t>tagihan</a:t>
+            </a:r>
+            <a:r>
+              <a:rPr lang="en-ID" dirty="0"/>
+              <a:t> non-</a:t>
             </a:r>
             <a:r>
               <a:rPr lang="en-ID" dirty="0" err="1"/>
@@ -6381,33 +6379,17 @@
             </a:r>
             <a:r>
               <a:rPr lang="en-ID" dirty="0"/>
-              <a:t> </a:t>
-            </a:r>
-            <a:r>
-              <a:rPr lang="en-ID" dirty="0" err="1"/>
-              <a:t>sama</a:t>
-            </a:r>
-            <a:r>
-              <a:rPr lang="en-ID" dirty="0"/>
               <a:t>.</a:t>
             </a:r>
           </a:p>
           <a:p>
             <a:r>
               <a:rPr lang="en-ID" dirty="0"/>
-              <a:t>H1 = </a:t>
-            </a:r>
-            <a:r>
-              <a:rPr lang="en-ID" dirty="0" err="1"/>
-              <a:t>Tagihan</a:t>
-            </a:r>
-            <a:r>
-              <a:rPr lang="en-ID" dirty="0"/>
-              <a:t> </a:t>
-            </a:r>
-            <a:r>
-              <a:rPr lang="en-ID" dirty="0" err="1"/>
-              <a:t>kesehatan</a:t>
+              <a:t>H1: Rata-rata </a:t>
+            </a:r>
+            <a:r>
+              <a:rPr lang="en-ID" dirty="0" err="1"/>
+              <a:t>tagihan</a:t>
             </a:r>
             <a:r>
               <a:rPr lang="en-ID" dirty="0"/>
@@ -6419,31 +6401,15 @@
             </a:r>
             <a:r>
               <a:rPr lang="en-ID" dirty="0"/>
-              <a:t> </a:t>
-            </a:r>
-            <a:r>
-              <a:rPr lang="en-ID" dirty="0" err="1"/>
-              <a:t>lebih</a:t>
-            </a:r>
-            <a:r>
-              <a:rPr lang="en-ID" dirty="0"/>
-              <a:t> </a:t>
-            </a:r>
-            <a:r>
-              <a:rPr lang="en-ID" dirty="0" err="1"/>
-              <a:t>tinggi</a:t>
-            </a:r>
-            <a:r>
-              <a:rPr lang="en-ID" dirty="0"/>
-              <a:t> </a:t>
-            </a:r>
-            <a:r>
-              <a:rPr lang="en-ID" dirty="0" err="1"/>
-              <a:t>daripada</a:t>
-            </a:r>
-            <a:r>
-              <a:rPr lang="en-ID" dirty="0"/>
-              <a:t> non </a:t>
+              <a:t> &gt; rata-rata </a:t>
+            </a:r>
+            <a:r>
+              <a:rPr lang="en-ID" dirty="0" err="1"/>
+              <a:t>tagihan</a:t>
+            </a:r>
+            <a:r>
+              <a:rPr lang="en-ID" dirty="0"/>
+              <a:t> non-</a:t>
             </a:r>
             <a:r>
               <a:rPr lang="en-ID" dirty="0" err="1"/>
@@ -6452,147 +6418,70 @@
             <a:r>
               <a:rPr lang="en-ID" dirty="0"/>
               <a:t>.</a:t>
+            </a:r>
+          </a:p>
+          <a:p>
+            <a:r>
+              <a:rPr lang="en-ID" dirty="0" err="1"/>
+              <a:t>Menggunakan</a:t>
+            </a:r>
+            <a:r>
+              <a:rPr lang="en-ID" dirty="0"/>
+              <a:t> t-test </a:t>
+            </a:r>
+            <a:r>
+              <a:rPr lang="en-ID" dirty="0" err="1"/>
+              <a:t>diperoleh</a:t>
+            </a:r>
+            <a:r>
+              <a:rPr lang="en-ID" dirty="0"/>
+              <a:t>:</a:t>
             </a:r>
           </a:p>
           <a:p>
             <a:pPr marL="0" indent="0">
               <a:buNone/>
             </a:pPr>
-            <a:r>
-              <a:rPr lang="en-ID" dirty="0" err="1"/>
-              <a:t>Dengan</a:t>
-            </a:r>
-            <a:r>
-              <a:rPr lang="en-ID" dirty="0"/>
-              <a:t> </a:t>
-            </a:r>
-            <a:r>
-              <a:rPr lang="en-ID" dirty="0" err="1"/>
-              <a:t>melakukan</a:t>
-            </a:r>
-            <a:r>
-              <a:rPr lang="en-ID" dirty="0"/>
-              <a:t> uji t-test </a:t>
-            </a:r>
-            <a:r>
-              <a:rPr lang="en-ID" dirty="0" err="1"/>
-              <a:t>didapatkan</a:t>
-            </a:r>
-            <a:r>
-              <a:rPr lang="en-ID" dirty="0"/>
-              <a:t> </a:t>
-            </a:r>
-            <a:r>
-              <a:rPr lang="en-ID" dirty="0" err="1"/>
-              <a:t>nilai</a:t>
-            </a:r>
-            <a:r>
-              <a:rPr lang="en-ID" dirty="0"/>
-              <a:t>:</a:t>
-            </a:r>
-          </a:p>
-          <a:p>
-            <a:pPr marL="0" indent="0">
-              <a:buNone/>
-            </a:pPr>
-            <a:r>
-              <a:rPr lang="en-ID" dirty="0"/>
-              <a:t>P-value: 1.4067220949376498e-282</a:t>
-            </a:r>
-          </a:p>
-          <a:p>
-            <a:pPr marL="0" indent="0">
-              <a:buNone/>
-            </a:pPr>
-            <a:r>
-              <a:rPr lang="en-ID" dirty="0"/>
-              <a:t>alpha: 0.05</a:t>
-            </a:r>
-            <a:br>
-              <a:rPr lang="en-ID" dirty="0"/>
-            </a:br>
-            <a:br>
-              <a:rPr lang="en-ID" dirty="0"/>
-            </a:br>
-            <a:r>
-              <a:rPr lang="en-ID" b="1" dirty="0" err="1"/>
-              <a:t>Menolak</a:t>
-            </a:r>
-            <a:r>
-              <a:rPr lang="en-ID" b="1" dirty="0"/>
-              <a:t> H0. </a:t>
-            </a:r>
-          </a:p>
-          <a:p>
-            <a:pPr marL="0" indent="0">
-              <a:buNone/>
-            </a:pPr>
-            <a:r>
-              <a:rPr lang="en-ID" b="1" dirty="0" err="1"/>
-              <a:t>Tagihan</a:t>
-            </a:r>
-            <a:r>
-              <a:rPr lang="en-ID" b="1" dirty="0"/>
-              <a:t> </a:t>
-            </a:r>
-            <a:r>
-              <a:rPr lang="en-ID" b="1" dirty="0" err="1"/>
-              <a:t>kesehatan</a:t>
-            </a:r>
-            <a:r>
-              <a:rPr lang="en-ID" b="1" dirty="0"/>
-              <a:t> </a:t>
-            </a:r>
-            <a:r>
-              <a:rPr lang="en-ID" b="1" dirty="0" err="1"/>
-              <a:t>perokok</a:t>
-            </a:r>
-            <a:r>
-              <a:rPr lang="en-ID" b="1" dirty="0"/>
-              <a:t> </a:t>
-            </a:r>
-            <a:r>
-              <a:rPr lang="en-ID" b="1" dirty="0" err="1"/>
-              <a:t>lebih</a:t>
-            </a:r>
-            <a:r>
-              <a:rPr lang="en-ID" b="1" dirty="0"/>
-              <a:t> </a:t>
-            </a:r>
-            <a:r>
-              <a:rPr lang="en-ID" b="1" dirty="0" err="1"/>
-              <a:t>tinggi</a:t>
-            </a:r>
-            <a:r>
-              <a:rPr lang="en-ID" b="1" dirty="0"/>
-              <a:t> </a:t>
-            </a:r>
-            <a:r>
-              <a:rPr lang="en-ID" b="1" dirty="0" err="1"/>
-              <a:t>daripada</a:t>
-            </a:r>
-            <a:r>
-              <a:rPr lang="en-ID" b="1" dirty="0"/>
-              <a:t> non </a:t>
-            </a:r>
-            <a:r>
-              <a:rPr lang="en-ID" b="1" dirty="0" err="1"/>
-              <a:t>perokok</a:t>
-            </a:r>
-            <a:r>
-              <a:rPr lang="en-ID" b="1" dirty="0"/>
-              <a:t>.</a:t>
-            </a:r>
-            <a:endParaRPr lang="en-ID" dirty="0"/>
-          </a:p>
-          <a:p>
-            <a:endParaRPr lang="en-ID" dirty="0"/>
-          </a:p>
-          <a:p>
             <a:endParaRPr lang="en-ID" dirty="0"/>
           </a:p>
         </p:txBody>
       </p:sp>
+      <p:pic>
+        <p:nvPicPr>
+          <p:cNvPr id="5" name="Picture 4">
+            <a:extLst>
+              <a:ext uri="{FF2B5EF4-FFF2-40B4-BE49-F238E27FC236}">
+                <a16:creationId xmlns:a16="http://schemas.microsoft.com/office/drawing/2014/main" id="{776E6569-BD8E-D8A6-E4B8-1341E4BBDA97}"/>
+              </a:ext>
+            </a:extLst>
+          </p:cNvPr>
+          <p:cNvPicPr>
+            <a:picLocks noChangeAspect="1"/>
+          </p:cNvPicPr>
+          <p:nvPr/>
+        </p:nvPicPr>
+        <p:blipFill>
+          <a:blip r:embed="rId2">
+            <a:extLst>
+              <a:ext uri="{28A0092B-C50C-407E-A947-70E740481C1C}">
+                <a14:useLocalDpi xmlns:a14="http://schemas.microsoft.com/office/drawing/2010/main" val="0"/>
+              </a:ext>
+            </a:extLst>
+          </a:blip>
+          <a:stretch>
+            <a:fillRect/>
+          </a:stretch>
+        </p:blipFill>
+        <p:spPr>
+          <a:xfrm>
+            <a:off x="838200" y="4479271"/>
+            <a:ext cx="10873572" cy="886106"/>
+          </a:xfrm>
+          <a:prstGeom prst="rect">
+            <a:avLst/>
+          </a:prstGeom>
+        </p:spPr>
+      </p:pic>
     </p:spTree>
     <p:extLst>
       <p:ext uri="{BB962C8B-B14F-4D97-AF65-F5344CB8AC3E}">
@@ -6603,178 +6492,6 @@
   <p:clrMapOvr>
     <a:masterClrMapping/>
   </p:clrMapOvr>
-  <p:timing>
-    <p:tnLst>
-      <p:par>
-        <p:cTn id="1" dur="indefinite" restart="never" nodeType="tmRoot">
-          <p:childTnLst>
-            <p:seq concurrent="1" nextAc="seek">
-              <p:cTn id="2" dur="indefinite" nodeType="mainSeq">
-                <p:childTnLst>
-                  <p:par>
-                    <p:cTn id="3" fill="hold">
-                      <p:stCondLst>
-                        <p:cond delay="indefinite"/>
-                      </p:stCondLst>
-                      <p:childTnLst>
-                        <p:par>
-                          <p:cTn id="4" fill="hold">
-                            <p:stCondLst>
-                              <p:cond delay="0"/>
-                            </p:stCondLst>
-                            <p:childTnLst>
-                              <p:par>
-                                <p:cTn id="5" presetID="1" presetClass="entr" presetSubtype="0" fill="hold" nodeType="clickEffect">
-                                  <p:stCondLst>
-                                    <p:cond delay="0"/>
-                                  </p:stCondLst>
-                                  <p:childTnLst>
-                                    <p:set>
-                                      <p:cBhvr>
-                                        <p:cTn id="6" dur="1" fill="hold">
-                                          <p:stCondLst>
-                                            <p:cond delay="0"/>
-                                          </p:stCondLst>
-                                        </p:cTn>
-                                        <p:tgtEl>
-                                          <p:spTgt spid="3">
-                                            <p:txEl>
-                                              <p:pRg st="3" end="3"/>
-                                            </p:txEl>
-                                          </p:spTgt>
-                                        </p:tgtEl>
-                                        <p:attrNameLst>
-                                          <p:attrName>style.visibility</p:attrName>
-                                        </p:attrNameLst>
-                                      </p:cBhvr>
-                                      <p:to>
-                                        <p:strVal val="visible"/>
-                                      </p:to>
-                                    </p:set>
-                                  </p:childTnLst>
-                                </p:cTn>
-                              </p:par>
-                              <p:par>
-                                <p:cTn id="7" presetID="1" presetClass="entr" presetSubtype="0" fill="hold" nodeType="withEffect">
-                                  <p:stCondLst>
-                                    <p:cond delay="0"/>
-                                  </p:stCondLst>
-                                  <p:childTnLst>
-                                    <p:set>
-                                      <p:cBhvr>
-                                        <p:cTn id="8" dur="1" fill="hold">
-                                          <p:stCondLst>
-                                            <p:cond delay="0"/>
-                                          </p:stCondLst>
-                                        </p:cTn>
-                                        <p:tgtEl>
-                                          <p:spTgt spid="3">
-                                            <p:txEl>
-                                              <p:pRg st="4" end="4"/>
-                                            </p:txEl>
-                                          </p:spTgt>
-                                        </p:tgtEl>
-                                        <p:attrNameLst>
-                                          <p:attrName>style.visibility</p:attrName>
-                                        </p:attrNameLst>
-                                      </p:cBhvr>
-                                      <p:to>
-                                        <p:strVal val="visible"/>
-                                      </p:to>
-                                    </p:set>
-                                  </p:childTnLst>
-                                </p:cTn>
-                              </p:par>
-                              <p:par>
-                                <p:cTn id="9" presetID="1" presetClass="entr" presetSubtype="0" fill="hold" nodeType="withEffect">
-                                  <p:stCondLst>
-                                    <p:cond delay="0"/>
-                                  </p:stCondLst>
-                                  <p:childTnLst>
-                                    <p:set>
-                                      <p:cBhvr>
-                                        <p:cTn id="10" dur="1" fill="hold">
-                                          <p:stCondLst>
-                                            <p:cond delay="0"/>
-                                          </p:stCondLst>
-                                        </p:cTn>
-                                        <p:tgtEl>
-                                          <p:spTgt spid="3">
-                                            <p:txEl>
-                                              <p:pRg st="5" end="5"/>
-                                            </p:txEl>
-                                          </p:spTgt>
-                                        </p:tgtEl>
-                                        <p:attrNameLst>
-                                          <p:attrName>style.visibility</p:attrName>
-                                        </p:attrNameLst>
-                                      </p:cBhvr>
-                                      <p:to>
-                                        <p:strVal val="visible"/>
-                                      </p:to>
-                                    </p:set>
-                                  </p:childTnLst>
-                                </p:cTn>
-                              </p:par>
-                              <p:par>
-                                <p:cTn id="11" presetID="1" presetClass="entr" presetSubtype="0" fill="hold" nodeType="withEffect">
-                                  <p:stCondLst>
-                                    <p:cond delay="0"/>
-                                  </p:stCondLst>
-                                  <p:childTnLst>
-                                    <p:set>
-                                      <p:cBhvr>
-                                        <p:cTn id="12" dur="1" fill="hold">
-                                          <p:stCondLst>
-                                            <p:cond delay="0"/>
-                                          </p:stCondLst>
-                                        </p:cTn>
-                                        <p:tgtEl>
-                                          <p:spTgt spid="3">
-                                            <p:txEl>
-                                              <p:pRg st="6" end="6"/>
-                                            </p:txEl>
-                                          </p:spTgt>
-                                        </p:tgtEl>
-                                        <p:attrNameLst>
-                                          <p:attrName>style.visibility</p:attrName>
-                                        </p:attrNameLst>
-                                      </p:cBhvr>
-                                      <p:to>
-                                        <p:strVal val="visible"/>
-                                      </p:to>
-                                    </p:set>
-                                  </p:childTnLst>
-                                </p:cTn>
-                              </p:par>
-                            </p:childTnLst>
-                          </p:cTn>
-                        </p:par>
-                      </p:childTnLst>
-                    </p:cTn>
-                  </p:par>
-                </p:childTnLst>
-              </p:cTn>
-              <p:prevCondLst>
-                <p:cond evt="onPrev" delay="0">
-                  <p:tgtEl>
-                    <p:sldTgt/>
-                  </p:tgtEl>
-                </p:cond>
-              </p:prevCondLst>
-              <p:nextCondLst>
-                <p:cond evt="onNext" delay="0">
-                  <p:tgtEl>
-                    <p:sldTgt/>
-                  </p:tgtEl>
-                </p:cond>
-              </p:nextCondLst>
-            </p:seq>
-          </p:childTnLst>
-        </p:cTn>
-      </p:par>
-    </p:tnLst>
-  </p:timing>
 </p:sld>
 </file>
 
@@ -6860,7 +6577,15 @@
             </a:pPr>
             <a:r>
               <a:rPr lang="en-ID" b="1" dirty="0" err="1"/>
-              <a:t>Proporsi</a:t>
+              <a:t>Apakah</a:t>
+            </a:r>
+            <a:r>
+              <a:rPr lang="en-ID" b="1" dirty="0"/>
+              <a:t> </a:t>
+            </a:r>
+            <a:r>
+              <a:rPr lang="en-ID" b="1" dirty="0" err="1"/>
+              <a:t>proporsi</a:t>
             </a:r>
             <a:r>
               <a:rPr lang="en-ID" b="1" dirty="0"/>
@@ -6900,7 +6625,7 @@
             </a:r>
             <a:r>
               <a:rPr lang="en-ID" b="1" dirty="0" err="1"/>
-              <a:t>daripada</a:t>
+              <a:t>dari</a:t>
             </a:r>
             <a:r>
               <a:rPr lang="en-ID" b="1" dirty="0"/>
@@ -6910,289 +6635,172 @@
               <a:rPr lang="en-ID" b="1" dirty="0" err="1"/>
               <a:t>perempuan</a:t>
             </a:r>
+            <a:r>
+              <a:rPr lang="en-ID" b="1" dirty="0"/>
+              <a:t>?</a:t>
+            </a:r>
+          </a:p>
+          <a:p>
+            <a:r>
+              <a:rPr lang="en-ID" dirty="0"/>
+              <a:t>H0: </a:t>
+            </a:r>
+            <a:r>
+              <a:rPr lang="en-ID" dirty="0" err="1"/>
+              <a:t>Proporsi</a:t>
+            </a:r>
+            <a:r>
+              <a:rPr lang="en-ID" dirty="0"/>
+              <a:t> </a:t>
+            </a:r>
+            <a:r>
+              <a:rPr lang="en-ID" dirty="0" err="1"/>
+              <a:t>perokok</a:t>
+            </a:r>
+            <a:r>
+              <a:rPr lang="en-ID" dirty="0"/>
+              <a:t> </a:t>
+            </a:r>
+            <a:r>
+              <a:rPr lang="en-ID" dirty="0" err="1"/>
+              <a:t>laki-laki</a:t>
+            </a:r>
+            <a:r>
+              <a:rPr lang="en-ID" dirty="0"/>
+              <a:t> &lt;= </a:t>
+            </a:r>
+            <a:r>
+              <a:rPr lang="en-ID" dirty="0" err="1"/>
+              <a:t>proporsi</a:t>
+            </a:r>
+            <a:r>
+              <a:rPr lang="en-ID" dirty="0"/>
+              <a:t> </a:t>
+            </a:r>
+            <a:r>
+              <a:rPr lang="en-ID" dirty="0" err="1"/>
+              <a:t>perokok</a:t>
+            </a:r>
+            <a:r>
+              <a:rPr lang="en-ID" dirty="0"/>
+              <a:t> </a:t>
+            </a:r>
+            <a:r>
+              <a:rPr lang="en-ID" dirty="0" err="1"/>
+              <a:t>perempuan</a:t>
+            </a:r>
+            <a:r>
+              <a:rPr lang="en-ID" dirty="0"/>
+              <a:t>.</a:t>
+            </a:r>
+          </a:p>
+          <a:p>
+            <a:r>
+              <a:rPr lang="en-ID" dirty="0"/>
+              <a:t>H1: </a:t>
+            </a:r>
+            <a:r>
+              <a:rPr lang="en-ID" dirty="0" err="1"/>
+              <a:t>Proporsi</a:t>
+            </a:r>
+            <a:r>
+              <a:rPr lang="en-ID" dirty="0"/>
+              <a:t> </a:t>
+            </a:r>
+            <a:r>
+              <a:rPr lang="en-ID" dirty="0" err="1"/>
+              <a:t>perokok</a:t>
+            </a:r>
+            <a:r>
+              <a:rPr lang="en-ID" dirty="0"/>
+              <a:t> </a:t>
+            </a:r>
+            <a:r>
+              <a:rPr lang="en-ID" dirty="0" err="1"/>
+              <a:t>laki-laki</a:t>
+            </a:r>
+            <a:r>
+              <a:rPr lang="en-ID" dirty="0"/>
+              <a:t> &gt; </a:t>
+            </a:r>
+            <a:r>
+              <a:rPr lang="en-ID" dirty="0" err="1"/>
+              <a:t>proporsi</a:t>
+            </a:r>
+            <a:r>
+              <a:rPr lang="en-ID" dirty="0"/>
+              <a:t> </a:t>
+            </a:r>
+            <a:r>
+              <a:rPr lang="en-ID" dirty="0" err="1"/>
+              <a:t>perokok</a:t>
+            </a:r>
+            <a:r>
+              <a:rPr lang="en-ID" dirty="0"/>
+              <a:t> </a:t>
+            </a:r>
+            <a:r>
+              <a:rPr lang="en-ID" dirty="0" err="1"/>
+              <a:t>perempuan</a:t>
+            </a:r>
             <a:endParaRPr lang="en-ID" dirty="0"/>
           </a:p>
           <a:p>
             <a:r>
-              <a:rPr lang="en-ID" dirty="0"/>
-              <a:t>H0 = </a:t>
-            </a:r>
-            <a:r>
-              <a:rPr lang="en-ID" dirty="0" err="1"/>
-              <a:t>Proporsi</a:t>
-            </a:r>
-            <a:r>
-              <a:rPr lang="en-ID" dirty="0"/>
-              <a:t> </a:t>
-            </a:r>
-            <a:r>
-              <a:rPr lang="en-ID" dirty="0" err="1"/>
-              <a:t>perokok</a:t>
-            </a:r>
-            <a:r>
-              <a:rPr lang="en-ID" dirty="0"/>
-              <a:t> </a:t>
-            </a:r>
-            <a:r>
-              <a:rPr lang="en-ID" dirty="0" err="1"/>
-              <a:t>laki-laki</a:t>
-            </a:r>
-            <a:r>
-              <a:rPr lang="en-ID" dirty="0"/>
-              <a:t> </a:t>
-            </a:r>
-            <a:r>
-              <a:rPr lang="en-ID" dirty="0" err="1"/>
-              <a:t>sama</a:t>
-            </a:r>
-            <a:r>
-              <a:rPr lang="en-ID" dirty="0"/>
-              <a:t> </a:t>
-            </a:r>
-            <a:r>
-              <a:rPr lang="en-ID" dirty="0" err="1"/>
-              <a:t>dengan</a:t>
-            </a:r>
-            <a:r>
-              <a:rPr lang="en-ID" dirty="0"/>
-              <a:t> </a:t>
-            </a:r>
-            <a:r>
-              <a:rPr lang="en-ID" dirty="0" err="1"/>
-              <a:t>perokok</a:t>
-            </a:r>
-            <a:r>
-              <a:rPr lang="en-ID" dirty="0"/>
-              <a:t> </a:t>
-            </a:r>
-            <a:r>
-              <a:rPr lang="en-ID" dirty="0" err="1"/>
-              <a:t>perempuan</a:t>
-            </a:r>
-            <a:r>
-              <a:rPr lang="en-ID" dirty="0"/>
-              <a:t>.</a:t>
-            </a:r>
-          </a:p>
-          <a:p>
-            <a:r>
-              <a:rPr lang="en-ID" dirty="0"/>
-              <a:t>H1 = </a:t>
-            </a:r>
-            <a:r>
-              <a:rPr lang="en-ID" dirty="0" err="1"/>
-              <a:t>Proporsi</a:t>
-            </a:r>
-            <a:r>
-              <a:rPr lang="en-ID" dirty="0"/>
-              <a:t> </a:t>
-            </a:r>
-            <a:r>
-              <a:rPr lang="en-ID" dirty="0" err="1"/>
-              <a:t>perokok</a:t>
-            </a:r>
-            <a:r>
-              <a:rPr lang="en-ID" dirty="0"/>
-              <a:t> </a:t>
-            </a:r>
-            <a:r>
-              <a:rPr lang="en-ID" dirty="0" err="1"/>
-              <a:t>laki-laki</a:t>
-            </a:r>
-            <a:r>
-              <a:rPr lang="en-ID" dirty="0"/>
-              <a:t> </a:t>
-            </a:r>
-            <a:r>
-              <a:rPr lang="en-ID" dirty="0" err="1"/>
-              <a:t>lebih</a:t>
-            </a:r>
-            <a:r>
-              <a:rPr lang="en-ID" dirty="0"/>
-              <a:t> </a:t>
-            </a:r>
-            <a:r>
-              <a:rPr lang="en-ID" dirty="0" err="1"/>
-              <a:t>besar</a:t>
-            </a:r>
-            <a:r>
-              <a:rPr lang="en-ID" dirty="0"/>
-              <a:t> </a:t>
-            </a:r>
-            <a:r>
-              <a:rPr lang="en-ID" dirty="0" err="1"/>
-              <a:t>daripada</a:t>
-            </a:r>
-            <a:r>
-              <a:rPr lang="en-ID" dirty="0"/>
-              <a:t> </a:t>
-            </a:r>
-            <a:r>
-              <a:rPr lang="en-ID" dirty="0" err="1"/>
-              <a:t>perokok</a:t>
-            </a:r>
-            <a:r>
-              <a:rPr lang="en-ID" dirty="0"/>
-              <a:t> </a:t>
-            </a:r>
-            <a:r>
-              <a:rPr lang="en-ID" dirty="0" err="1"/>
-              <a:t>perempuan</a:t>
-            </a:r>
-            <a:r>
-              <a:rPr lang="en-ID" dirty="0"/>
-              <a:t>.</a:t>
-            </a:r>
-          </a:p>
-          <a:p>
-            <a:pPr marL="0" indent="0">
-              <a:buNone/>
-            </a:pPr>
-            <a:r>
-              <a:rPr lang="en-ID" dirty="0" err="1"/>
-              <a:t>Dengan</a:t>
-            </a:r>
-            <a:r>
-              <a:rPr lang="en-ID" dirty="0"/>
-              <a:t> </a:t>
-            </a:r>
-            <a:r>
-              <a:rPr lang="en-ID" dirty="0" err="1"/>
-              <a:t>melakukan</a:t>
-            </a:r>
-            <a:r>
-              <a:rPr lang="en-ID" dirty="0"/>
-              <a:t> uji chi-square </a:t>
-            </a:r>
-            <a:r>
-              <a:rPr lang="en-ID" dirty="0" err="1"/>
-              <a:t>didapatkan</a:t>
-            </a:r>
-            <a:r>
-              <a:rPr lang="en-ID" dirty="0"/>
-              <a:t> </a:t>
-            </a:r>
-            <a:r>
-              <a:rPr lang="en-ID" dirty="0" err="1"/>
-              <a:t>nilai</a:t>
+              <a:rPr lang="en-ID" dirty="0" err="1"/>
+              <a:t>Menggunakan</a:t>
+            </a:r>
+            <a:r>
+              <a:rPr lang="en-ID" dirty="0"/>
+              <a:t> uji z-test </a:t>
+            </a:r>
+            <a:r>
+              <a:rPr lang="en-ID" dirty="0" err="1"/>
+              <a:t>diperoleh</a:t>
             </a:r>
             <a:r>
               <a:rPr lang="en-ID" dirty="0"/>
               <a:t>:</a:t>
             </a:r>
-          </a:p>
-          <a:p>
-            <a:pPr marL="0" indent="0">
-              <a:buNone/>
-            </a:pPr>
-            <a:r>
-              <a:rPr lang="en-ID" dirty="0"/>
-              <a:t>P-value: 0.0062765550120107375</a:t>
-            </a:r>
-          </a:p>
-          <a:p>
-            <a:pPr marL="0" indent="0">
-              <a:buNone/>
-            </a:pPr>
-            <a:r>
-              <a:rPr lang="en-ID" dirty="0"/>
-              <a:t>alpha: 0.05</a:t>
-            </a:r>
-          </a:p>
-          <a:p>
-            <a:pPr marL="0" indent="0">
-              <a:buNone/>
-            </a:pPr>
-            <a:br>
-              <a:rPr lang="en-ID" dirty="0"/>
-            </a:br>
-            <a:r>
-              <a:rPr lang="en-ID" b="1" dirty="0" err="1"/>
-              <a:t>Menolak</a:t>
-            </a:r>
-            <a:r>
-              <a:rPr lang="en-ID" b="1" dirty="0"/>
-              <a:t> H0. </a:t>
-            </a:r>
-          </a:p>
-          <a:p>
-            <a:pPr marL="0" indent="0">
-              <a:buNone/>
-            </a:pPr>
-            <a:r>
-              <a:rPr lang="en-ID" b="1" dirty="0" err="1"/>
-              <a:t>Proporsi</a:t>
-            </a:r>
-            <a:r>
-              <a:rPr lang="en-ID" b="1" dirty="0"/>
-              <a:t> </a:t>
-            </a:r>
-            <a:r>
-              <a:rPr lang="en-ID" b="1" dirty="0" err="1"/>
-              <a:t>perokok</a:t>
-            </a:r>
-            <a:r>
-              <a:rPr lang="en-ID" b="1" dirty="0"/>
-              <a:t> </a:t>
-            </a:r>
-            <a:r>
-              <a:rPr lang="en-ID" b="1" dirty="0" err="1"/>
-              <a:t>laki-laki</a:t>
-            </a:r>
-            <a:r>
-              <a:rPr lang="en-ID" b="1" dirty="0"/>
-              <a:t> </a:t>
-            </a:r>
-            <a:r>
-              <a:rPr lang="en-ID" b="1" dirty="0" err="1"/>
-              <a:t>lebih</a:t>
-            </a:r>
-            <a:r>
-              <a:rPr lang="en-ID" b="1" dirty="0"/>
-              <a:t> </a:t>
-            </a:r>
-            <a:r>
-              <a:rPr lang="en-ID" b="1" dirty="0" err="1"/>
-              <a:t>besar</a:t>
-            </a:r>
-            <a:r>
-              <a:rPr lang="en-ID" b="1" dirty="0"/>
-              <a:t> </a:t>
-            </a:r>
-            <a:r>
-              <a:rPr lang="en-ID" b="1" dirty="0" err="1"/>
-              <a:t>daripada</a:t>
-            </a:r>
-            <a:r>
-              <a:rPr lang="en-ID" b="1" dirty="0"/>
-              <a:t> </a:t>
-            </a:r>
-            <a:r>
-              <a:rPr lang="en-ID" b="1" dirty="0" err="1"/>
-              <a:t>perokok</a:t>
-            </a:r>
-            <a:r>
-              <a:rPr lang="en-ID" b="1" dirty="0"/>
-              <a:t> </a:t>
-            </a:r>
-            <a:r>
-              <a:rPr lang="en-ID" b="1" dirty="0" err="1"/>
-              <a:t>perempuan</a:t>
-            </a:r>
-            <a:r>
-              <a:rPr lang="en-ID" b="1" dirty="0"/>
-              <a:t>.</a:t>
-            </a:r>
-            <a:endParaRPr lang="en-ID" dirty="0"/>
-          </a:p>
-          <a:p>
-            <a:endParaRPr lang="en-ID" dirty="0"/>
-          </a:p>
-          <a:p>
-            <a:endParaRPr lang="en-ID" dirty="0"/>
           </a:p>
         </p:txBody>
       </p:sp>
+      <p:pic>
+        <p:nvPicPr>
+          <p:cNvPr id="5" name="Picture 4">
+            <a:extLst>
+              <a:ext uri="{FF2B5EF4-FFF2-40B4-BE49-F238E27FC236}">
+                <a16:creationId xmlns:a16="http://schemas.microsoft.com/office/drawing/2014/main" id="{C733EFC3-B508-6DAB-A734-4CAE1C6531E3}"/>
+              </a:ext>
+            </a:extLst>
+          </p:cNvPr>
+          <p:cNvPicPr>
+            <a:picLocks noChangeAspect="1"/>
+          </p:cNvPicPr>
+          <p:nvPr/>
+        </p:nvPicPr>
+        <p:blipFill>
+          <a:blip r:embed="rId2">
+            <a:extLst>
+              <a:ext uri="{28A0092B-C50C-407E-A947-70E740481C1C}">
+                <a14:useLocalDpi xmlns:a14="http://schemas.microsoft.com/office/drawing/2010/main" val="0"/>
+              </a:ext>
+            </a:extLst>
+          </a:blip>
+          <a:stretch>
+            <a:fillRect/>
+          </a:stretch>
+        </p:blipFill>
+        <p:spPr>
+          <a:xfrm>
+            <a:off x="838200" y="4127966"/>
+            <a:ext cx="10110634" cy="833999"/>
+          </a:xfrm>
+          <a:prstGeom prst="rect">
+            <a:avLst/>
+          </a:prstGeom>
+        </p:spPr>
+      </p:pic>
     </p:spTree>
     <p:extLst>
       <p:ext uri="{BB962C8B-B14F-4D97-AF65-F5344CB8AC3E}">
@@ -7203,227 +6811,6 @@
   <p:clrMapOvr>
     <a:masterClrMapping/>
   </p:clrMapOvr>
-  <p:timing>
-    <p:tnLst>
-      <p:par>
-        <p:cTn id="1" dur="indefinite" restart="never" nodeType="tmRoot">
-          <p:childTnLst>
-            <p:seq concurrent="1" nextAc="seek">
-              <p:cTn id="2" dur="indefinite" nodeType="mainSeq">
-                <p:childTnLst>
-                  <p:par>
-                    <p:cTn id="3" fill="hold">
-                      <p:stCondLst>
-                        <p:cond delay="indefinite"/>
-                      </p:stCondLst>
-                      <p:childTnLst>
-                        <p:par>
-                          <p:cTn id="4" fill="hold">
-                            <p:stCondLst>
-                              <p:cond delay="0"/>
-                            </p:stCondLst>
-                            <p:childTnLst>
-                              <p:par>
-                                <p:cTn id="5" presetID="1" presetClass="entr" presetSubtype="0" fill="hold" nodeType="clickEffect">
-                                  <p:stCondLst>
-                                    <p:cond delay="0"/>
-                                  </p:stCondLst>
-                                  <p:childTnLst>
-                                    <p:set>
-                                      <p:cBhvr>
-                                        <p:cTn id="6" dur="1" fill="hold">
-                                          <p:stCondLst>
-                                            <p:cond delay="0"/>
-                                          </p:stCondLst>
-                                        </p:cTn>
-                                        <p:tgtEl>
-                                          <p:spTgt spid="3">
-                                            <p:txEl>
-                                              <p:pRg st="3" end="3"/>
-                                            </p:txEl>
-                                          </p:spTgt>
-                                        </p:tgtEl>
-                                        <p:attrNameLst>
-                                          <p:attrName>style.visibility</p:attrName>
-                                        </p:attrNameLst>
-                                      </p:cBhvr>
-                                      <p:to>
-                                        <p:strVal val="visible"/>
-                                      </p:to>
-                                    </p:set>
-                                  </p:childTnLst>
-                                </p:cTn>
-                              </p:par>
-                              <p:par>
-                                <p:cTn id="7" presetID="1" presetClass="entr" presetSubtype="0" fill="hold" nodeType="withEffect">
-                                  <p:stCondLst>
-                                    <p:cond delay="0"/>
-                                  </p:stCondLst>
-                                  <p:childTnLst>
-                                    <p:set>
-                                      <p:cBhvr>
-                                        <p:cTn id="8" dur="1" fill="hold">
-                                          <p:stCondLst>
-                                            <p:cond delay="0"/>
-                                          </p:stCondLst>
-                                        </p:cTn>
-                                        <p:tgtEl>
-                                          <p:spTgt spid="3">
-                                            <p:txEl>
-                                              <p:pRg st="4" end="4"/>
-                                            </p:txEl>
-                                          </p:spTgt>
-                                        </p:tgtEl>
-                                        <p:attrNameLst>
-                                          <p:attrName>style.visibility</p:attrName>
-                                        </p:attrNameLst>
-                                      </p:cBhvr>
-                                      <p:to>
-                                        <p:strVal val="visible"/>
-                                      </p:to>
-                                    </p:set>
-                                  </p:childTnLst>
-                                </p:cTn>
-                              </p:par>
-                              <p:par>
-                                <p:cTn id="9" presetID="1" presetClass="entr" presetSubtype="0" fill="hold" nodeType="withEffect">
-                                  <p:stCondLst>
-                                    <p:cond delay="0"/>
-                                  </p:stCondLst>
-                                  <p:childTnLst>
-                                    <p:set>
-                                      <p:cBhvr>
-                                        <p:cTn id="10" dur="1" fill="hold">
-                                          <p:stCondLst>
-                                            <p:cond delay="0"/>
-                                          </p:stCondLst>
-                                        </p:cTn>
-                                        <p:tgtEl>
-                                          <p:spTgt spid="3">
-                                            <p:txEl>
-                                              <p:pRg st="5" end="5"/>
-                                            </p:txEl>
-                                          </p:spTgt>
-                                        </p:tgtEl>
-                                        <p:attrNameLst>
-                                          <p:attrName>style.visibility</p:attrName>
-                                        </p:attrNameLst>
-                                      </p:cBhvr>
-                                      <p:to>
-                                        <p:strVal val="visible"/>
-                                      </p:to>
-                                    </p:set>
-                                  </p:childTnLst>
-                                </p:cTn>
-                              </p:par>
-                            </p:childTnLst>
-                          </p:cTn>
-                        </p:par>
-                      </p:childTnLst>
-                    </p:cTn>
-                  </p:par>
-                  <p:par>
-                    <p:cTn id="11" fill="hold">
-                      <p:stCondLst>
-                        <p:cond delay="indefinite"/>
-                      </p:stCondLst>
-                      <p:childTnLst>
-                        <p:par>
-                          <p:cTn id="12" fill="hold">
-                            <p:stCondLst>
-                              <p:cond delay="0"/>
-                            </p:stCondLst>
-                            <p:childTnLst>
-                              <p:par>
-                                <p:cTn id="13" presetID="1" presetClass="entr" presetSubtype="0" fill="hold" nodeType="clickEffect">
-                                  <p:stCondLst>
-                                    <p:cond delay="0"/>
-                                  </p:stCondLst>
-                                  <p:childTnLst>
-                                    <p:set>
-                                      <p:cBhvr>
-                                        <p:cTn id="14" dur="1" fill="hold">
-                                          <p:stCondLst>
-                                            <p:cond delay="0"/>
-                                          </p:stCondLst>
-                                        </p:cTn>
-                                        <p:tgtEl>
-                                          <p:spTgt spid="3">
-                                            <p:txEl>
-                                              <p:pRg st="6" end="6"/>
-                                            </p:txEl>
-                                          </p:spTgt>
-                                        </p:tgtEl>
-                                        <p:attrNameLst>
-                                          <p:attrName>style.visibility</p:attrName>
-                                        </p:attrNameLst>
-                                      </p:cBhvr>
-                                      <p:to>
-                                        <p:strVal val="visible"/>
-                                      </p:to>
-                                    </p:set>
-                                  </p:childTnLst>
-                                </p:cTn>
-                              </p:par>
-                              <p:par>
-                                <p:cTn id="15" presetID="1" presetClass="entr" presetSubtype="0" fill="hold" nodeType="withEffect">
-                                  <p:stCondLst>
-                                    <p:cond delay="0"/>
-                                  </p:stCondLst>
-                                  <p:childTnLst>
-                                    <p:set>
-                                      <p:cBhvr>
-                                        <p:cTn id="16" dur="1" fill="hold">
-                                          <p:stCondLst>
-                                            <p:cond delay="0"/>
-                                          </p:stCondLst>
-                                        </p:cTn>
-                                        <p:tgtEl>
-                                          <p:spTgt spid="3">
-                                            <p:txEl>
-                                              <p:pRg st="7" end="7"/>
-                                            </p:txEl>
-                                          </p:spTgt>
-                                        </p:tgtEl>
-                                        <p:attrNameLst>
-                                          <p:attrName>style.visibility</p:attrName>
-                                        </p:attrNameLst>
-                                      </p:cBhvr>
-                                      <p:to>
-                                        <p:strVal val="visible"/>
-                                      </p:to>
-                                    </p:set>
-                                  </p:childTnLst>
-                                </p:cTn>
-                              </p:par>
-                            </p:childTnLst>
-                          </p:cTn>
-                        </p:par>
-                      </p:childTnLst>
-                    </p:cTn>
-                  </p:par>
-                </p:childTnLst>
-              </p:cTn>
-              <p:prevCondLst>
-                <p:cond evt="onPrev" delay="0">
-                  <p:tgtEl>
-                    <p:sldTgt/>
-                  </p:tgtEl>
-                </p:cond>
-              </p:prevCondLst>
-              <p:nextCondLst>
-                <p:cond evt="onNext" delay="0">
-                  <p:tgtEl>
-                    <p:sldTgt/>
-                  </p:tgtEl>
-                </p:cond>
-              </p:nextCondLst>
-            </p:seq>
-          </p:childTnLst>
-        </p:cTn>
-      </p:par>
-    </p:tnLst>
-  </p:timing>
 </p:sld>
 </file>
 
@@ -7509,18 +6896,17 @@
             </a:pPr>
             <a:r>
               <a:rPr lang="fi-FI" b="1" dirty="0"/>
-              <a:t>Variasi tagihan kesehatan perokok dan non perokok sama</a:t>
-            </a:r>
-            <a:endParaRPr lang="fi-FI" dirty="0"/>
-          </a:p>
-          <a:p>
-            <a:r>
-              <a:rPr lang="en-ID" dirty="0"/>
-              <a:t>H0 = </a:t>
-            </a:r>
-            <a:r>
-              <a:rPr lang="en-ID" dirty="0" err="1"/>
-              <a:t>Variasi</a:t>
+              <a:t>Apakah variasi tagihan kesehatan perokok dan non perokok sama?</a:t>
+            </a:r>
+          </a:p>
+          <a:p>
+            <a:r>
+              <a:rPr lang="en-ID" dirty="0"/>
+              <a:t>H0: </a:t>
+            </a:r>
+            <a:r>
+              <a:rPr lang="en-ID" dirty="0" err="1"/>
+              <a:t>Variansi</a:t>
             </a:r>
             <a:r>
               <a:rPr lang="en-ID" dirty="0"/>
@@ -7548,7 +6934,31 @@
             </a:r>
             <a:r>
               <a:rPr lang="en-ID" dirty="0"/>
-              <a:t> dan non </a:t>
+              <a:t> = </a:t>
+            </a:r>
+            <a:r>
+              <a:rPr lang="en-ID" dirty="0" err="1"/>
+              <a:t>variansi</a:t>
+            </a:r>
+            <a:r>
+              <a:rPr lang="en-ID" dirty="0"/>
+              <a:t> </a:t>
+            </a:r>
+            <a:r>
+              <a:rPr lang="en-ID" dirty="0" err="1"/>
+              <a:t>tagihan</a:t>
+            </a:r>
+            <a:r>
+              <a:rPr lang="en-ID" dirty="0"/>
+              <a:t> </a:t>
+            </a:r>
+            <a:r>
+              <a:rPr lang="en-ID" dirty="0" err="1"/>
+              <a:t>kesehatan</a:t>
+            </a:r>
+            <a:r>
+              <a:rPr lang="en-ID" dirty="0"/>
+              <a:t> non-</a:t>
             </a:r>
             <a:r>
               <a:rPr lang="en-ID" dirty="0" err="1"/>
@@ -7556,25 +6966,17 @@
             </a:r>
             <a:r>
               <a:rPr lang="en-ID" dirty="0"/>
-              <a:t> </a:t>
-            </a:r>
-            <a:r>
-              <a:rPr lang="en-ID" dirty="0" err="1"/>
-              <a:t>sama</a:t>
-            </a:r>
-            <a:r>
-              <a:rPr lang="en-ID" dirty="0"/>
               <a:t>.</a:t>
             </a:r>
           </a:p>
           <a:p>
             <a:r>
               <a:rPr lang="en-ID" dirty="0"/>
-              <a:t>H1 = </a:t>
-            </a:r>
-            <a:r>
-              <a:rPr lang="en-ID" dirty="0" err="1"/>
-              <a:t>Variasi</a:t>
+              <a:t>H1: </a:t>
+            </a:r>
+            <a:r>
+              <a:rPr lang="en-ID" dirty="0" err="1"/>
+              <a:t>Variansi</a:t>
             </a:r>
             <a:r>
               <a:rPr lang="en-ID" dirty="0"/>
@@ -7602,7 +7004,31 @@
             </a:r>
             <a:r>
               <a:rPr lang="en-ID" dirty="0"/>
-              <a:t> dan non </a:t>
+              <a:t> != </a:t>
+            </a:r>
+            <a:r>
+              <a:rPr lang="en-ID" dirty="0" err="1"/>
+              <a:t>variansi</a:t>
+            </a:r>
+            <a:r>
+              <a:rPr lang="en-ID" dirty="0"/>
+              <a:t> </a:t>
+            </a:r>
+            <a:r>
+              <a:rPr lang="en-ID" dirty="0" err="1"/>
+              <a:t>tagihan</a:t>
+            </a:r>
+            <a:r>
+              <a:rPr lang="en-ID" dirty="0"/>
+              <a:t> </a:t>
+            </a:r>
+            <a:r>
+              <a:rPr lang="en-ID" dirty="0" err="1"/>
+              <a:t>kesehatan</a:t>
+            </a:r>
+            <a:r>
+              <a:rPr lang="en-ID" dirty="0"/>
+              <a:t> non-</a:t>
             </a:r>
             <a:r>
               <a:rPr lang="en-ID" dirty="0" err="1"/>
@@ -7610,181 +7036,73 @@
             </a:r>
             <a:r>
               <a:rPr lang="en-ID" dirty="0"/>
-              <a:t> </a:t>
-            </a:r>
-            <a:r>
-              <a:rPr lang="en-ID" dirty="0" err="1"/>
-              <a:t>berbeda</a:t>
-            </a:r>
-            <a:r>
-              <a:rPr lang="en-ID" dirty="0"/>
               <a:t>.</a:t>
             </a:r>
           </a:p>
           <a:p>
-            <a:pPr marL="0" indent="0">
-              <a:buNone/>
-            </a:pPr>
-            <a:r>
-              <a:rPr lang="en-ID" dirty="0" err="1"/>
-              <a:t>Dengan</a:t>
-            </a:r>
-            <a:r>
-              <a:rPr lang="en-ID" dirty="0"/>
-              <a:t> </a:t>
-            </a:r>
-            <a:r>
-              <a:rPr lang="en-ID" dirty="0" err="1"/>
-              <a:t>melakukan</a:t>
-            </a:r>
-            <a:r>
-              <a:rPr lang="en-ID" dirty="0"/>
-              <a:t> uji </a:t>
-            </a:r>
-            <a:r>
-              <a:rPr lang="en-ID" dirty="0" err="1"/>
-              <a:t>levene</a:t>
-            </a:r>
-            <a:r>
-              <a:rPr lang="en-ID" dirty="0"/>
-              <a:t> </a:t>
-            </a:r>
-            <a:r>
-              <a:rPr lang="en-ID" dirty="0" err="1"/>
-              <a:t>untuk</a:t>
-            </a:r>
-            <a:r>
-              <a:rPr lang="en-ID" dirty="0"/>
-              <a:t> </a:t>
-            </a:r>
-            <a:r>
-              <a:rPr lang="en-ID" dirty="0" err="1"/>
-              <a:t>mencasi</a:t>
-            </a:r>
-            <a:r>
-              <a:rPr lang="en-ID" dirty="0"/>
-              <a:t> </a:t>
-            </a:r>
-            <a:r>
-              <a:rPr lang="en-ID" dirty="0" err="1"/>
-              <a:t>variasi</a:t>
-            </a:r>
-            <a:r>
-              <a:rPr lang="en-ID" dirty="0"/>
-              <a:t> </a:t>
-            </a:r>
-            <a:r>
-              <a:rPr lang="en-ID" dirty="0" err="1"/>
-              <a:t>didapatkan</a:t>
-            </a:r>
-            <a:r>
-              <a:rPr lang="en-ID" dirty="0"/>
-              <a:t> </a:t>
-            </a:r>
-            <a:r>
-              <a:rPr lang="en-ID" dirty="0" err="1"/>
-              <a:t>nilai</a:t>
+            <a:r>
+              <a:rPr lang="en-ID" dirty="0" err="1"/>
+              <a:t>Menggunakan</a:t>
+            </a:r>
+            <a:r>
+              <a:rPr lang="en-ID" dirty="0"/>
+              <a:t> </a:t>
+            </a:r>
+            <a:r>
+              <a:rPr lang="en-ID" dirty="0" err="1"/>
+              <a:t>f_oneway</a:t>
+            </a:r>
+            <a:r>
+              <a:rPr lang="en-ID" dirty="0"/>
+              <a:t> </a:t>
+            </a:r>
+            <a:r>
+              <a:rPr lang="en-ID" dirty="0" err="1"/>
+              <a:t>diperoleh</a:t>
             </a:r>
             <a:r>
               <a:rPr lang="en-ID" dirty="0"/>
               <a:t>:</a:t>
             </a:r>
-          </a:p>
-          <a:p>
-            <a:pPr marL="0" indent="0">
-              <a:buNone/>
-            </a:pPr>
-            <a:r>
-              <a:rPr lang="en-ID" dirty="0"/>
-              <a:t>P-value: 1.670117565125241e-66</a:t>
-            </a:r>
-          </a:p>
-          <a:p>
-            <a:pPr marL="0" indent="0">
-              <a:buNone/>
-            </a:pPr>
-            <a:r>
-              <a:rPr lang="en-ID" dirty="0"/>
-              <a:t>alpha: 0.05</a:t>
-            </a:r>
-            <a:br>
-              <a:rPr lang="en-ID" dirty="0"/>
-            </a:br>
-            <a:r>
-              <a:rPr lang="en-ID" dirty="0"/>
-              <a:t> </a:t>
-            </a:r>
-            <a:br>
-              <a:rPr lang="en-ID" dirty="0"/>
-            </a:br>
-            <a:r>
-              <a:rPr lang="en-ID" b="1" dirty="0" err="1"/>
-              <a:t>Menolak</a:t>
-            </a:r>
-            <a:r>
-              <a:rPr lang="en-ID" b="1" dirty="0"/>
-              <a:t> H0. </a:t>
-            </a:r>
-          </a:p>
-          <a:p>
-            <a:pPr marL="0" indent="0">
-              <a:buNone/>
-            </a:pPr>
-            <a:r>
-              <a:rPr lang="en-ID" b="1" dirty="0" err="1"/>
-              <a:t>Variasi</a:t>
-            </a:r>
-            <a:r>
-              <a:rPr lang="en-ID" b="1" dirty="0"/>
-              <a:t> </a:t>
-            </a:r>
-            <a:r>
-              <a:rPr lang="en-ID" b="1" dirty="0" err="1"/>
-              <a:t>tagihan</a:t>
-            </a:r>
-            <a:r>
-              <a:rPr lang="en-ID" b="1" dirty="0"/>
-              <a:t> </a:t>
-            </a:r>
-            <a:r>
-              <a:rPr lang="en-ID" b="1" dirty="0" err="1"/>
-              <a:t>kesehatan</a:t>
-            </a:r>
-            <a:r>
-              <a:rPr lang="en-ID" b="1" dirty="0"/>
-              <a:t> </a:t>
-            </a:r>
-            <a:r>
-              <a:rPr lang="en-ID" b="1" dirty="0" err="1"/>
-              <a:t>perokok</a:t>
-            </a:r>
-            <a:r>
-              <a:rPr lang="en-ID" b="1" dirty="0"/>
-              <a:t> dan non </a:t>
-            </a:r>
-            <a:r>
-              <a:rPr lang="en-ID" b="1" dirty="0" err="1"/>
-              <a:t>perokok</a:t>
-            </a:r>
-            <a:r>
-              <a:rPr lang="en-ID" b="1" dirty="0"/>
-              <a:t> </a:t>
-            </a:r>
-            <a:r>
-              <a:rPr lang="en-ID" b="1" dirty="0" err="1"/>
-              <a:t>berbeda</a:t>
-            </a:r>
-            <a:r>
-              <a:rPr lang="en-ID" b="1" dirty="0"/>
-              <a:t>.</a:t>
-            </a:r>
-            <a:endParaRPr lang="en-ID" dirty="0"/>
-          </a:p>
-          <a:p>
-            <a:endParaRPr lang="en-ID" dirty="0"/>
           </a:p>
         </p:txBody>
       </p:sp>
+      <p:pic>
+        <p:nvPicPr>
+          <p:cNvPr id="5" name="Picture 4">
+            <a:extLst>
+              <a:ext uri="{FF2B5EF4-FFF2-40B4-BE49-F238E27FC236}">
+                <a16:creationId xmlns:a16="http://schemas.microsoft.com/office/drawing/2014/main" id="{C427897C-A858-574B-9DEB-13E2BA7211E7}"/>
+              </a:ext>
+            </a:extLst>
+          </p:cNvPr>
+          <p:cNvPicPr>
+            <a:picLocks noChangeAspect="1"/>
+          </p:cNvPicPr>
+          <p:nvPr/>
+        </p:nvPicPr>
+        <p:blipFill>
+          <a:blip r:embed="rId2">
+            <a:extLst>
+              <a:ext uri="{28A0092B-C50C-407E-A947-70E740481C1C}">
+                <a14:useLocalDpi xmlns:a14="http://schemas.microsoft.com/office/drawing/2010/main" val="0"/>
+              </a:ext>
+            </a:extLst>
+          </a:blip>
+          <a:stretch>
+            <a:fillRect/>
+          </a:stretch>
+        </p:blipFill>
+        <p:spPr>
+          <a:xfrm>
+            <a:off x="1017482" y="4736164"/>
+            <a:ext cx="10567159" cy="804024"/>
+          </a:xfrm>
+          <a:prstGeom prst="rect">
+            <a:avLst/>
+          </a:prstGeom>
+        </p:spPr>
+      </p:pic>
     </p:spTree>
     <p:extLst>
       <p:ext uri="{BB962C8B-B14F-4D97-AF65-F5344CB8AC3E}">
@@ -7795,178 +7113,6 @@
   <p:clrMapOvr>
     <a:masterClrMapping/>
   </p:clrMapOvr>
-  <p:timing>
-    <p:tnLst>
-      <p:par>
-        <p:cTn id="1" dur="indefinite" restart="never" nodeType="tmRoot">
-          <p:childTnLst>
-            <p:seq concurrent="1" nextAc="seek">
-              <p:cTn id="2" dur="indefinite" nodeType="mainSeq">
-                <p:childTnLst>
-                  <p:par>
-                    <p:cTn id="3" fill="hold">
-                      <p:stCondLst>
-                        <p:cond delay="indefinite"/>
-                      </p:stCondLst>
-                      <p:childTnLst>
-                        <p:par>
-                          <p:cTn id="4" fill="hold">
-                            <p:stCondLst>
-                              <p:cond delay="0"/>
-                            </p:stCondLst>
-                            <p:childTnLst>
-                              <p:par>
-                                <p:cTn id="5" presetID="1" presetClass="entr" presetSubtype="0" fill="hold" nodeType="clickEffect">
-                                  <p:stCondLst>
-                                    <p:cond delay="0"/>
-                                  </p:stCondLst>
-                                  <p:childTnLst>
-                                    <p:set>
-                                      <p:cBhvr>
-                                        <p:cTn id="6" dur="1" fill="hold">
-                                          <p:stCondLst>
-                                            <p:cond delay="0"/>
-                                          </p:stCondLst>
-                                        </p:cTn>
-                                        <p:tgtEl>
-                                          <p:spTgt spid="3">
-                                            <p:txEl>
-                                              <p:pRg st="3" end="3"/>
-                                            </p:txEl>
-                                          </p:spTgt>
-                                        </p:tgtEl>
-                                        <p:attrNameLst>
-                                          <p:attrName>style.visibility</p:attrName>
-                                        </p:attrNameLst>
-                                      </p:cBhvr>
-                                      <p:to>
-                                        <p:strVal val="visible"/>
-                                      </p:to>
-                                    </p:set>
-                                  </p:childTnLst>
-                                </p:cTn>
-                              </p:par>
-                              <p:par>
-                                <p:cTn id="7" presetID="1" presetClass="entr" presetSubtype="0" fill="hold" nodeType="withEffect">
-                                  <p:stCondLst>
-                                    <p:cond delay="0"/>
-                                  </p:stCondLst>
-                                  <p:childTnLst>
-                                    <p:set>
-                                      <p:cBhvr>
-                                        <p:cTn id="8" dur="1" fill="hold">
-                                          <p:stCondLst>
-                                            <p:cond delay="0"/>
-                                          </p:stCondLst>
-                                        </p:cTn>
-                                        <p:tgtEl>
-                                          <p:spTgt spid="3">
-                                            <p:txEl>
-                                              <p:pRg st="4" end="4"/>
-                                            </p:txEl>
-                                          </p:spTgt>
-                                        </p:tgtEl>
-                                        <p:attrNameLst>
-                                          <p:attrName>style.visibility</p:attrName>
-                                        </p:attrNameLst>
-                                      </p:cBhvr>
-                                      <p:to>
-                                        <p:strVal val="visible"/>
-                                      </p:to>
-                                    </p:set>
-                                  </p:childTnLst>
-                                </p:cTn>
-                              </p:par>
-                              <p:par>
-                                <p:cTn id="9" presetID="1" presetClass="entr" presetSubtype="0" fill="hold" nodeType="withEffect">
-                                  <p:stCondLst>
-                                    <p:cond delay="0"/>
-                                  </p:stCondLst>
-                                  <p:childTnLst>
-                                    <p:set>
-                                      <p:cBhvr>
-                                        <p:cTn id="10" dur="1" fill="hold">
-                                          <p:stCondLst>
-                                            <p:cond delay="0"/>
-                                          </p:stCondLst>
-                                        </p:cTn>
-                                        <p:tgtEl>
-                                          <p:spTgt spid="3">
-                                            <p:txEl>
-                                              <p:pRg st="5" end="5"/>
-                                            </p:txEl>
-                                          </p:spTgt>
-                                        </p:tgtEl>
-                                        <p:attrNameLst>
-                                          <p:attrName>style.visibility</p:attrName>
-                                        </p:attrNameLst>
-                                      </p:cBhvr>
-                                      <p:to>
-                                        <p:strVal val="visible"/>
-                                      </p:to>
-                                    </p:set>
-                                  </p:childTnLst>
-                                </p:cTn>
-                              </p:par>
-                              <p:par>
-                                <p:cTn id="11" presetID="1" presetClass="entr" presetSubtype="0" fill="hold" nodeType="withEffect">
-                                  <p:stCondLst>
-                                    <p:cond delay="0"/>
-                                  </p:stCondLst>
-                                  <p:childTnLst>
-                                    <p:set>
-                                      <p:cBhvr>
-                                        <p:cTn id="12" dur="1" fill="hold">
-                                          <p:stCondLst>
-                                            <p:cond delay="0"/>
-                                          </p:stCondLst>
-                                        </p:cTn>
-                                        <p:tgtEl>
-                                          <p:spTgt spid="3">
-                                            <p:txEl>
-                                              <p:pRg st="6" end="6"/>
-                                            </p:txEl>
-                                          </p:spTgt>
-                                        </p:tgtEl>
-                                        <p:attrNameLst>
-                                          <p:attrName>style.visibility</p:attrName>
-                                        </p:attrNameLst>
-                                      </p:cBhvr>
-                                      <p:to>
-                                        <p:strVal val="visible"/>
-                                      </p:to>
-                                    </p:set>
-                                  </p:childTnLst>
-                                </p:cTn>
-                              </p:par>
-                            </p:childTnLst>
-                          </p:cTn>
-                        </p:par>
-                      </p:childTnLst>
-                    </p:cTn>
-                  </p:par>
-                </p:childTnLst>
-              </p:cTn>
-              <p:prevCondLst>
-                <p:cond evt="onPrev" delay="0">
-                  <p:tgtEl>
-                    <p:sldTgt/>
-                  </p:tgtEl>
-                </p:cond>
-              </p:prevCondLst>
-              <p:nextCondLst>
-                <p:cond evt="onNext" delay="0">
-                  <p:tgtEl>
-                    <p:sldTgt/>
-                  </p:tgtEl>
-                </p:cond>
-              </p:nextCondLst>
-            </p:seq>
-          </p:childTnLst>
-        </p:cTn>
-      </p:par>
-    </p:tnLst>
-  </p:timing>
 </p:sld>
 </file>
 
@@ -8010,15 +7156,7 @@
           <a:p>
             <a:r>
               <a:rPr lang="en-ID" b="1" dirty="0" err="1"/>
-              <a:t>Pengujian</a:t>
-            </a:r>
-            <a:r>
-              <a:rPr lang="en-ID" b="1" dirty="0"/>
-              <a:t> </a:t>
-            </a:r>
-            <a:r>
-              <a:rPr lang="en-ID" b="1" dirty="0" err="1"/>
-              <a:t>Hipotesis</a:t>
+              <a:t>Penutup</a:t>
             </a:r>
             <a:endParaRPr lang="en-ID" dirty="0"/>
           </a:p>
@@ -8047,519 +7185,123 @@
           </a:bodyPr>
           <a:lstStyle/>
           <a:p>
-            <a:r>
-              <a:rPr lang="en-ID" sz="2400" b="1" dirty="0" err="1"/>
-              <a:t>Tagihan</a:t>
-            </a:r>
-            <a:r>
-              <a:rPr lang="en-ID" sz="2400" b="1" dirty="0"/>
-              <a:t> Kesehatan </a:t>
-            </a:r>
-            <a:r>
-              <a:rPr lang="en-ID" sz="2400" b="1" dirty="0" err="1"/>
-              <a:t>dengan</a:t>
-            </a:r>
-            <a:r>
-              <a:rPr lang="en-ID" sz="2400" b="1" dirty="0"/>
-              <a:t> BMI </a:t>
-            </a:r>
-            <a:r>
-              <a:rPr lang="en-ID" sz="2400" b="1" dirty="0" err="1"/>
-              <a:t>diatas</a:t>
-            </a:r>
-            <a:r>
-              <a:rPr lang="en-ID" sz="2400" b="1" dirty="0"/>
-              <a:t> 25 (overweight) </a:t>
-            </a:r>
-            <a:r>
-              <a:rPr lang="en-ID" sz="2400" b="1" dirty="0" err="1"/>
-              <a:t>lebih</a:t>
-            </a:r>
-            <a:r>
-              <a:rPr lang="en-ID" sz="2400" b="1" dirty="0"/>
-              <a:t> </a:t>
-            </a:r>
-            <a:r>
-              <a:rPr lang="en-ID" sz="2400" b="1" dirty="0" err="1"/>
-              <a:t>tinggi</a:t>
-            </a:r>
-            <a:r>
-              <a:rPr lang="en-ID" sz="2400" b="1" dirty="0"/>
-              <a:t> </a:t>
-            </a:r>
-            <a:r>
-              <a:rPr lang="en-ID" sz="2400" b="1" dirty="0" err="1"/>
-              <a:t>daripada</a:t>
-            </a:r>
-            <a:r>
-              <a:rPr lang="en-ID" sz="2400" b="1" dirty="0"/>
-              <a:t> </a:t>
-            </a:r>
-            <a:r>
-              <a:rPr lang="en-ID" sz="2400" b="1" dirty="0" err="1"/>
-              <a:t>tagihan</a:t>
-            </a:r>
-            <a:r>
-              <a:rPr lang="en-ID" sz="2400" b="1" dirty="0"/>
-              <a:t> </a:t>
-            </a:r>
-            <a:r>
-              <a:rPr lang="en-ID" sz="2400" b="1" dirty="0" err="1"/>
-              <a:t>kesehatan</a:t>
-            </a:r>
-            <a:r>
-              <a:rPr lang="en-ID" sz="2400" b="1" dirty="0"/>
-              <a:t> </a:t>
-            </a:r>
-            <a:r>
-              <a:rPr lang="en-ID" sz="2400" b="1" dirty="0" err="1"/>
-              <a:t>dengan</a:t>
-            </a:r>
-            <a:r>
-              <a:rPr lang="en-ID" sz="2400" b="1" dirty="0"/>
-              <a:t> BMI </a:t>
-            </a:r>
-            <a:r>
-              <a:rPr lang="en-ID" sz="2400" b="1" dirty="0" err="1"/>
-              <a:t>dibawah</a:t>
-            </a:r>
-            <a:r>
-              <a:rPr lang="en-ID" sz="2400" b="1" dirty="0"/>
-              <a:t> 25 (normal weight)</a:t>
-            </a:r>
-            <a:endParaRPr lang="en-ID" sz="2400" dirty="0"/>
-          </a:p>
-          <a:p>
-            <a:r>
-              <a:rPr lang="en-ID" sz="2400" dirty="0"/>
-              <a:t>H0 = </a:t>
-            </a:r>
-            <a:r>
-              <a:rPr lang="en-ID" sz="2400" dirty="0" err="1"/>
-              <a:t>Tagihan</a:t>
-            </a:r>
-            <a:r>
-              <a:rPr lang="en-ID" sz="2400" dirty="0"/>
-              <a:t> </a:t>
-            </a:r>
-            <a:r>
-              <a:rPr lang="en-ID" sz="2400" dirty="0" err="1"/>
-              <a:t>kesehatan</a:t>
-            </a:r>
-            <a:r>
-              <a:rPr lang="en-ID" sz="2400" dirty="0"/>
-              <a:t> </a:t>
-            </a:r>
-            <a:r>
-              <a:rPr lang="en-ID" sz="2400" dirty="0" err="1"/>
-              <a:t>dengan</a:t>
-            </a:r>
-            <a:r>
-              <a:rPr lang="en-ID" sz="2400" dirty="0"/>
-              <a:t> BMI di </a:t>
-            </a:r>
-            <a:r>
-              <a:rPr lang="en-ID" sz="2400" dirty="0" err="1"/>
-              <a:t>atas</a:t>
-            </a:r>
-            <a:r>
-              <a:rPr lang="en-ID" sz="2400" dirty="0"/>
-              <a:t> 25 </a:t>
-            </a:r>
-            <a:r>
-              <a:rPr lang="en-ID" sz="2400" dirty="0" err="1"/>
-              <a:t>sama</a:t>
-            </a:r>
-            <a:r>
-              <a:rPr lang="en-ID" sz="2400" dirty="0"/>
-              <a:t> </a:t>
-            </a:r>
-            <a:r>
-              <a:rPr lang="en-ID" sz="2400" dirty="0" err="1"/>
-              <a:t>dengan</a:t>
-            </a:r>
-            <a:r>
-              <a:rPr lang="en-ID" sz="2400" dirty="0"/>
-              <a:t> BMI di </a:t>
-            </a:r>
-            <a:r>
-              <a:rPr lang="en-ID" sz="2400" dirty="0" err="1"/>
-              <a:t>bawah</a:t>
-            </a:r>
-            <a:r>
-              <a:rPr lang="en-ID" sz="2400" dirty="0"/>
-              <a:t> 25.</a:t>
-            </a:r>
-          </a:p>
-          <a:p>
-            <a:r>
-              <a:rPr lang="en-ID" sz="2400" dirty="0"/>
-              <a:t>H1 = </a:t>
-            </a:r>
-            <a:r>
-              <a:rPr lang="en-ID" sz="2400" dirty="0" err="1"/>
-              <a:t>Tagihan</a:t>
-            </a:r>
-            <a:r>
-              <a:rPr lang="en-ID" sz="2400" dirty="0"/>
-              <a:t> </a:t>
-            </a:r>
-            <a:r>
-              <a:rPr lang="en-ID" sz="2400" dirty="0" err="1"/>
-              <a:t>kesehatan</a:t>
-            </a:r>
-            <a:r>
-              <a:rPr lang="en-ID" sz="2400" dirty="0"/>
-              <a:t> </a:t>
-            </a:r>
-            <a:r>
-              <a:rPr lang="en-ID" sz="2400" dirty="0" err="1"/>
-              <a:t>dengan</a:t>
-            </a:r>
-            <a:r>
-              <a:rPr lang="en-ID" sz="2400" dirty="0"/>
-              <a:t> BMI di </a:t>
-            </a:r>
-            <a:r>
-              <a:rPr lang="en-ID" sz="2400" dirty="0" err="1"/>
-              <a:t>atas</a:t>
-            </a:r>
-            <a:r>
-              <a:rPr lang="en-ID" sz="2400" dirty="0"/>
-              <a:t> 25 </a:t>
-            </a:r>
-            <a:r>
-              <a:rPr lang="en-ID" sz="2400" dirty="0" err="1"/>
-              <a:t>lebih</a:t>
-            </a:r>
-            <a:r>
-              <a:rPr lang="en-ID" sz="2400" dirty="0"/>
-              <a:t> </a:t>
-            </a:r>
-            <a:r>
-              <a:rPr lang="en-ID" sz="2400" dirty="0" err="1"/>
-              <a:t>tinggi</a:t>
-            </a:r>
-            <a:r>
-              <a:rPr lang="en-ID" sz="2400" dirty="0"/>
-              <a:t> </a:t>
-            </a:r>
-            <a:r>
-              <a:rPr lang="en-ID" sz="2400" dirty="0" err="1"/>
-              <a:t>daripada</a:t>
-            </a:r>
-            <a:r>
-              <a:rPr lang="en-ID" sz="2400" dirty="0"/>
-              <a:t> BMI di </a:t>
-            </a:r>
-            <a:r>
-              <a:rPr lang="en-ID" sz="2400" dirty="0" err="1"/>
-              <a:t>bawah</a:t>
-            </a:r>
-            <a:r>
-              <a:rPr lang="en-ID" sz="2400" dirty="0"/>
-              <a:t> 25.</a:t>
-            </a:r>
-          </a:p>
-          <a:p>
             <a:pPr marL="0" indent="0">
               <a:buNone/>
             </a:pPr>
             <a:r>
-              <a:rPr lang="en-ID" sz="2400" dirty="0" err="1"/>
-              <a:t>Dengan</a:t>
-            </a:r>
-            <a:r>
-              <a:rPr lang="en-ID" sz="2400" dirty="0"/>
-              <a:t> </a:t>
-            </a:r>
-            <a:r>
-              <a:rPr lang="en-ID" sz="2400" dirty="0" err="1"/>
-              <a:t>melakukan</a:t>
-            </a:r>
-            <a:r>
-              <a:rPr lang="en-ID" sz="2400" dirty="0"/>
-              <a:t> uji t-test </a:t>
-            </a:r>
-            <a:r>
-              <a:rPr lang="en-ID" sz="2400" dirty="0" err="1"/>
-              <a:t>didapatkan</a:t>
-            </a:r>
-            <a:r>
-              <a:rPr lang="en-ID" sz="2400" dirty="0"/>
-              <a:t> </a:t>
-            </a:r>
-            <a:r>
-              <a:rPr lang="en-ID" sz="2400" dirty="0" err="1"/>
-              <a:t>nilai</a:t>
-            </a:r>
-            <a:r>
-              <a:rPr lang="en-ID" sz="2400" dirty="0"/>
+              <a:rPr lang="en-ID" dirty="0" err="1"/>
+              <a:t>Demikianlah</a:t>
+            </a:r>
+            <a:r>
+              <a:rPr lang="en-ID" dirty="0"/>
+              <a:t> short report Probability Project </a:t>
+            </a:r>
+            <a:r>
+              <a:rPr lang="en-ID" dirty="0" err="1"/>
+              <a:t>Pacmann</a:t>
+            </a:r>
+            <a:r>
+              <a:rPr lang="en-ID" dirty="0"/>
+              <a:t> — Data Insurance Analyst. </a:t>
+            </a:r>
+            <a:r>
+              <a:rPr lang="en-ID" dirty="0" err="1"/>
+              <a:t>Informasi</a:t>
+            </a:r>
+            <a:r>
+              <a:rPr lang="en-ID" dirty="0"/>
+              <a:t> </a:t>
+            </a:r>
+            <a:r>
+              <a:rPr lang="en-ID" dirty="0" err="1"/>
+              <a:t>lengkap</a:t>
+            </a:r>
+            <a:r>
+              <a:rPr lang="en-ID" dirty="0"/>
+              <a:t> </a:t>
+            </a:r>
+            <a:r>
+              <a:rPr lang="en-ID" dirty="0" err="1"/>
+              <a:t>tentang</a:t>
+            </a:r>
+            <a:r>
+              <a:rPr lang="en-ID" dirty="0"/>
+              <a:t> </a:t>
+            </a:r>
+            <a:r>
+              <a:rPr lang="en-ID" dirty="0" err="1"/>
+              <a:t>projek</a:t>
+            </a:r>
+            <a:r>
+              <a:rPr lang="en-ID" dirty="0"/>
+              <a:t> </a:t>
+            </a:r>
+            <a:r>
+              <a:rPr lang="en-ID" dirty="0" err="1"/>
+              <a:t>ini</a:t>
+            </a:r>
+            <a:r>
+              <a:rPr lang="en-ID" dirty="0"/>
+              <a:t> </a:t>
+            </a:r>
+            <a:r>
+              <a:rPr lang="en-ID" dirty="0" err="1"/>
+              <a:t>bisa</a:t>
+            </a:r>
+            <a:r>
+              <a:rPr lang="en-ID" dirty="0"/>
+              <a:t> </a:t>
+            </a:r>
+            <a:r>
+              <a:rPr lang="en-ID" dirty="0" err="1"/>
+              <a:t>dilihat</a:t>
+            </a:r>
+            <a:r>
+              <a:rPr lang="en-ID" dirty="0"/>
+              <a:t> pada link </a:t>
+            </a:r>
+            <a:r>
+              <a:rPr lang="en-ID" dirty="0" err="1"/>
+              <a:t>berikut</a:t>
+            </a:r>
+            <a:r>
+              <a:rPr lang="en-ID" dirty="0"/>
               <a:t>:</a:t>
             </a:r>
           </a:p>
           <a:p>
-            <a:pPr marL="0" indent="0">
-              <a:buNone/>
-            </a:pPr>
-            <a:r>
-              <a:rPr lang="en-ID" sz="2400" dirty="0"/>
-              <a:t>P-value: 1.6909664264439038e-05</a:t>
-            </a:r>
-          </a:p>
-          <a:p>
-            <a:pPr marL="0" indent="0">
-              <a:buNone/>
-            </a:pPr>
-            <a:r>
-              <a:rPr lang="en-ID" sz="2400" dirty="0"/>
-              <a:t>alpha: 0.05</a:t>
-            </a:r>
-            <a:br>
-              <a:rPr lang="en-ID" sz="2400" dirty="0"/>
-            </a:br>
-            <a:br>
-              <a:rPr lang="en-ID" sz="2400" dirty="0"/>
-            </a:br>
-            <a:r>
-              <a:rPr lang="en-ID" sz="2400" b="1" dirty="0" err="1"/>
-              <a:t>Menolak</a:t>
-            </a:r>
-            <a:r>
-              <a:rPr lang="en-ID" sz="2400" b="1" dirty="0"/>
-              <a:t> H0. </a:t>
-            </a:r>
-            <a:r>
-              <a:rPr lang="en-ID" sz="2400" b="1" dirty="0" err="1"/>
-              <a:t>Tagihan</a:t>
-            </a:r>
-            <a:r>
-              <a:rPr lang="en-ID" sz="2400" b="1" dirty="0"/>
-              <a:t> </a:t>
-            </a:r>
-            <a:r>
-              <a:rPr lang="en-ID" sz="2400" b="1" dirty="0" err="1"/>
-              <a:t>kesehatan</a:t>
-            </a:r>
-            <a:r>
-              <a:rPr lang="en-ID" sz="2400" b="1" dirty="0"/>
-              <a:t> </a:t>
-            </a:r>
-            <a:r>
-              <a:rPr lang="en-ID" sz="2400" b="1" dirty="0" err="1"/>
-              <a:t>dengan</a:t>
-            </a:r>
-            <a:r>
-              <a:rPr lang="en-ID" sz="2400" b="1" dirty="0"/>
-              <a:t> BMI di </a:t>
-            </a:r>
-            <a:r>
-              <a:rPr lang="en-ID" sz="2400" b="1" dirty="0" err="1"/>
-              <a:t>atas</a:t>
-            </a:r>
-            <a:r>
-              <a:rPr lang="en-ID" sz="2400" b="1" dirty="0"/>
-              <a:t> 25 </a:t>
-            </a:r>
-            <a:r>
-              <a:rPr lang="en-ID" sz="2400" b="1" dirty="0" err="1"/>
-              <a:t>lebih</a:t>
-            </a:r>
-            <a:r>
-              <a:rPr lang="en-ID" sz="2400" b="1" dirty="0"/>
-              <a:t> </a:t>
-            </a:r>
-            <a:r>
-              <a:rPr lang="en-ID" sz="2400" b="1" dirty="0" err="1"/>
-              <a:t>tinggi</a:t>
-            </a:r>
-            <a:r>
-              <a:rPr lang="en-ID" sz="2400" b="1" dirty="0"/>
-              <a:t> </a:t>
-            </a:r>
-            <a:r>
-              <a:rPr lang="en-ID" sz="2400" b="1" dirty="0" err="1"/>
-              <a:t>daripada</a:t>
-            </a:r>
-            <a:r>
-              <a:rPr lang="en-ID" sz="2400" b="1" dirty="0"/>
-              <a:t> BMI di </a:t>
-            </a:r>
-            <a:r>
-              <a:rPr lang="en-ID" sz="2400" b="1" dirty="0" err="1"/>
-              <a:t>bawah</a:t>
-            </a:r>
-            <a:r>
-              <a:rPr lang="en-ID" sz="2400" b="1" dirty="0"/>
-              <a:t> 25.</a:t>
-            </a:r>
-            <a:endParaRPr lang="en-ID" sz="2400" dirty="0"/>
-          </a:p>
-          <a:p>
-            <a:pPr marL="0" indent="0">
-              <a:buNone/>
-            </a:pPr>
-            <a:endParaRPr lang="en-ID" sz="2400" dirty="0"/>
-          </a:p>
-          <a:p>
-            <a:endParaRPr lang="en-ID" sz="2400" dirty="0"/>
-          </a:p>
-          <a:p>
-            <a:endParaRPr lang="en-ID" sz="2400" dirty="0"/>
+            <a:r>
+              <a:rPr lang="en-ID" dirty="0"/>
+              <a:t>Link GitHub : https://github.com/ahmadilhamhabibi/probability_project_pacmann</a:t>
+            </a:r>
+          </a:p>
+          <a:p>
+            <a:r>
+              <a:rPr lang="en-ID" dirty="0"/>
+              <a:t>Link Video YouTube : https://youtu.be/NW1MyiiZIeQ</a:t>
+            </a:r>
+          </a:p>
+          <a:p>
+            <a:r>
+              <a:rPr lang="en-ID" dirty="0"/>
+              <a:t>Link Medium : https://ahmadilhamhabibi.medium.com/probability-project-pacmann-data-insurance-analyst-50ee8a670200</a:t>
+            </a:r>
+          </a:p>
+          <a:p>
+            <a:endParaRPr lang="en-ID" dirty="0"/>
           </a:p>
         </p:txBody>
       </p:sp>
     </p:spTree>
     <p:extLst>
       <p:ext uri="{BB962C8B-B14F-4D97-AF65-F5344CB8AC3E}">
-        <p14:creationId xmlns:p14="http://schemas.microsoft.com/office/powerpoint/2010/main" val="3802027744"/>
+        <p14:creationId xmlns:p14="http://schemas.microsoft.com/office/powerpoint/2010/main" val="2831367819"/>
       </p:ext>
     </p:extLst>
   </p:cSld>
   <p:clrMapOvr>
     <a:masterClrMapping/>
   </p:clrMapOvr>
-  <p:timing>
-    <p:tnLst>
-      <p:par>
-        <p:cTn id="1" dur="indefinite" restart="never" nodeType="tmRoot">
-          <p:childTnLst>
-            <p:seq concurrent="1" nextAc="seek">
-              <p:cTn id="2" dur="indefinite" nodeType="mainSeq">
-                <p:childTnLst>
-                  <p:par>
-                    <p:cTn id="3" fill="hold">
-                      <p:stCondLst>
-                        <p:cond delay="indefinite"/>
-                      </p:stCondLst>
-                      <p:childTnLst>
-                        <p:par>
-                          <p:cTn id="4" fill="hold">
-                            <p:stCondLst>
-                              <p:cond delay="0"/>
-                            </p:stCondLst>
-                            <p:childTnLst>
-                              <p:par>
-                                <p:cTn id="5" presetID="1" presetClass="entr" presetSubtype="0" fill="hold" nodeType="clickEffect">
-                                  <p:stCondLst>
-                                    <p:cond delay="0"/>
-                                  </p:stCondLst>
-                                  <p:childTnLst>
-                                    <p:set>
-                                      <p:cBhvr>
-                                        <p:cTn id="6" dur="1" fill="hold">
-                                          <p:stCondLst>
-                                            <p:cond delay="0"/>
-                                          </p:stCondLst>
-                                        </p:cTn>
-                                        <p:tgtEl>
-                                          <p:spTgt spid="3">
-                                            <p:txEl>
-                                              <p:pRg st="3" end="3"/>
-                                            </p:txEl>
-                                          </p:spTgt>
-                                        </p:tgtEl>
-                                        <p:attrNameLst>
-                                          <p:attrName>style.visibility</p:attrName>
-                                        </p:attrNameLst>
-                                      </p:cBhvr>
-                                      <p:to>
-                                        <p:strVal val="visible"/>
-                                      </p:to>
-                                    </p:set>
-                                  </p:childTnLst>
-                                </p:cTn>
-                              </p:par>
-                              <p:par>
-                                <p:cTn id="7" presetID="1" presetClass="entr" presetSubtype="0" fill="hold" nodeType="withEffect">
-                                  <p:stCondLst>
-                                    <p:cond delay="0"/>
-                                  </p:stCondLst>
-                                  <p:childTnLst>
-                                    <p:set>
-                                      <p:cBhvr>
-                                        <p:cTn id="8" dur="1" fill="hold">
-                                          <p:stCondLst>
-                                            <p:cond delay="0"/>
-                                          </p:stCondLst>
-                                        </p:cTn>
-                                        <p:tgtEl>
-                                          <p:spTgt spid="3">
-                                            <p:txEl>
-                                              <p:pRg st="4" end="4"/>
-                                            </p:txEl>
-                                          </p:spTgt>
-                                        </p:tgtEl>
-                                        <p:attrNameLst>
-                                          <p:attrName>style.visibility</p:attrName>
-                                        </p:attrNameLst>
-                                      </p:cBhvr>
-                                      <p:to>
-                                        <p:strVal val="visible"/>
-                                      </p:to>
-                                    </p:set>
-                                  </p:childTnLst>
-                                </p:cTn>
-                              </p:par>
-                              <p:par>
-                                <p:cTn id="9" presetID="1" presetClass="entr" presetSubtype="0" fill="hold" nodeType="withEffect">
-                                  <p:stCondLst>
-                                    <p:cond delay="0"/>
-                                  </p:stCondLst>
-                                  <p:childTnLst>
-                                    <p:set>
-                                      <p:cBhvr>
-                                        <p:cTn id="10" dur="1" fill="hold">
-                                          <p:stCondLst>
-                                            <p:cond delay="0"/>
-                                          </p:stCondLst>
-                                        </p:cTn>
-                                        <p:tgtEl>
-                                          <p:spTgt spid="3">
-                                            <p:txEl>
-                                              <p:pRg st="5" end="5"/>
-                                            </p:txEl>
-                                          </p:spTgt>
-                                        </p:tgtEl>
-                                        <p:attrNameLst>
-                                          <p:attrName>style.visibility</p:attrName>
-                                        </p:attrNameLst>
-                                      </p:cBhvr>
-                                      <p:to>
-                                        <p:strVal val="visible"/>
-                                      </p:to>
-                                    </p:set>
-                                  </p:childTnLst>
-                                </p:cTn>
-                              </p:par>
-                            </p:childTnLst>
-                          </p:cTn>
-                        </p:par>
-                      </p:childTnLst>
-                    </p:cTn>
-                  </p:par>
-                </p:childTnLst>
-              </p:cTn>
-              <p:prevCondLst>
-                <p:cond evt="onPrev" delay="0">
-                  <p:tgtEl>
-                    <p:sldTgt/>
-                  </p:tgtEl>
-                </p:cond>
-              </p:prevCondLst>
-              <p:nextCondLst>
-                <p:cond evt="onNext" delay="0">
-                  <p:tgtEl>
-                    <p:sldTgt/>
-                  </p:tgtEl>
-                </p:cond>
-              </p:nextCondLst>
-            </p:seq>
-          </p:childTnLst>
-        </p:cTn>
-      </p:par>
-    </p:tnLst>
-  </p:timing>
 </p:sld>
 </file>
 
@@ -8585,7 +7327,7 @@
           <p:cNvPr id="2" name="Title 1">
             <a:extLst>
               <a:ext uri="{FF2B5EF4-FFF2-40B4-BE49-F238E27FC236}">
-                <a16:creationId xmlns:a16="http://schemas.microsoft.com/office/drawing/2014/main" id="{BE1FC977-9CF3-0C59-A9D3-262693AC66A2}"/>
+                <a16:creationId xmlns:a16="http://schemas.microsoft.com/office/drawing/2014/main" id="{31E56E36-E3F0-383D-97F6-CEC0BE3FB737}"/>
               </a:ext>
             </a:extLst>
           </p:cNvPr>
@@ -8596,619 +7338,41 @@
             <p:ph type="title"/>
           </p:nvPr>
         </p:nvSpPr>
-        <p:spPr/>
-        <p:txBody>
-          <a:bodyPr/>
-          <a:lstStyle/>
-          <a:p>
-            <a:r>
-              <a:rPr lang="en-ID" b="1" dirty="0" err="1"/>
-              <a:t>Pengujian</a:t>
-            </a:r>
-            <a:r>
-              <a:rPr lang="en-ID" b="1" dirty="0"/>
-              <a:t> </a:t>
-            </a:r>
-            <a:r>
-              <a:rPr lang="en-ID" b="1" dirty="0" err="1"/>
-              <a:t>Hipotesis</a:t>
-            </a:r>
-            <a:endParaRPr lang="en-ID" dirty="0"/>
-          </a:p>
-        </p:txBody>
-      </p:sp>
-      <p:sp>
-        <p:nvSpPr>
-          <p:cNvPr id="3" name="Content Placeholder 2">
-            <a:extLst>
-              <a:ext uri="{FF2B5EF4-FFF2-40B4-BE49-F238E27FC236}">
-                <a16:creationId xmlns:a16="http://schemas.microsoft.com/office/drawing/2014/main" id="{0AF5F6B2-575C-1C00-861D-C0B062C720E6}"/>
-              </a:ext>
-            </a:extLst>
-          </p:cNvPr>
-          <p:cNvSpPr>
-            <a:spLocks noGrp="1"/>
-          </p:cNvSpPr>
-          <p:nvPr>
-            <p:ph idx="1"/>
-          </p:nvPr>
-        </p:nvSpPr>
-        <p:spPr/>
+        <p:spPr>
+          <a:xfrm>
+            <a:off x="838200" y="2519385"/>
+            <a:ext cx="10515600" cy="1819229"/>
+          </a:xfrm>
+        </p:spPr>
         <p:txBody>
           <a:bodyPr>
-            <a:noAutofit/>
+            <a:normAutofit/>
           </a:bodyPr>
           <a:lstStyle/>
           <a:p>
-            <a:pPr marL="0" indent="0">
-              <a:buNone/>
-            </a:pPr>
-            <a:r>
-              <a:rPr lang="en-ID" b="1" dirty="0" err="1"/>
-              <a:t>Proporsi</a:t>
-            </a:r>
-            <a:r>
-              <a:rPr lang="en-ID" b="1" dirty="0"/>
-              <a:t> </a:t>
-            </a:r>
-            <a:r>
-              <a:rPr lang="en-ID" b="1" dirty="0" err="1"/>
-              <a:t>perokok</a:t>
-            </a:r>
-            <a:r>
-              <a:rPr lang="en-ID" b="1" dirty="0"/>
-              <a:t> </a:t>
-            </a:r>
-            <a:r>
-              <a:rPr lang="en-ID" b="1" dirty="0" err="1"/>
-              <a:t>laki-laki</a:t>
-            </a:r>
-            <a:r>
-              <a:rPr lang="en-ID" b="1" dirty="0"/>
-              <a:t> </a:t>
-            </a:r>
-            <a:r>
-              <a:rPr lang="en-ID" b="1" dirty="0" err="1"/>
-              <a:t>lebih</a:t>
-            </a:r>
-            <a:r>
-              <a:rPr lang="en-ID" b="1" dirty="0"/>
-              <a:t> </a:t>
-            </a:r>
-            <a:r>
-              <a:rPr lang="en-ID" b="1" dirty="0" err="1"/>
-              <a:t>besar</a:t>
-            </a:r>
-            <a:r>
-              <a:rPr lang="en-ID" b="1" dirty="0"/>
-              <a:t> </a:t>
-            </a:r>
-            <a:r>
-              <a:rPr lang="en-ID" b="1" dirty="0" err="1"/>
-              <a:t>daripada</a:t>
-            </a:r>
-            <a:r>
-              <a:rPr lang="en-ID" b="1" dirty="0"/>
-              <a:t> </a:t>
-            </a:r>
-            <a:r>
-              <a:rPr lang="en-ID" b="1" dirty="0" err="1"/>
-              <a:t>perempuan</a:t>
-            </a:r>
-            <a:endParaRPr lang="en-ID" dirty="0"/>
-          </a:p>
-          <a:p>
-            <a:r>
-              <a:rPr lang="en-ID" dirty="0"/>
-              <a:t>H0 = </a:t>
-            </a:r>
-            <a:r>
-              <a:rPr lang="en-ID" dirty="0" err="1"/>
-              <a:t>Proporsi</a:t>
-            </a:r>
-            <a:r>
-              <a:rPr lang="en-ID" dirty="0"/>
-              <a:t> </a:t>
-            </a:r>
-            <a:r>
-              <a:rPr lang="en-ID" dirty="0" err="1"/>
-              <a:t>perokok</a:t>
-            </a:r>
-            <a:r>
-              <a:rPr lang="en-ID" dirty="0"/>
-              <a:t> </a:t>
-            </a:r>
-            <a:r>
-              <a:rPr lang="en-ID" dirty="0" err="1"/>
-              <a:t>laki-laki</a:t>
-            </a:r>
-            <a:r>
-              <a:rPr lang="en-ID" dirty="0"/>
-              <a:t> </a:t>
-            </a:r>
-            <a:r>
-              <a:rPr lang="en-ID" dirty="0" err="1"/>
-              <a:t>lebih</a:t>
-            </a:r>
-            <a:r>
-              <a:rPr lang="en-ID" dirty="0"/>
-              <a:t> </a:t>
-            </a:r>
-            <a:r>
-              <a:rPr lang="en-ID" dirty="0" err="1"/>
-              <a:t>besar</a:t>
-            </a:r>
-            <a:r>
-              <a:rPr lang="en-ID" dirty="0"/>
-              <a:t> </a:t>
-            </a:r>
-            <a:r>
-              <a:rPr lang="en-ID" dirty="0" err="1"/>
-              <a:t>perokok</a:t>
-            </a:r>
-            <a:r>
-              <a:rPr lang="en-ID" dirty="0"/>
-              <a:t> </a:t>
-            </a:r>
-            <a:r>
-              <a:rPr lang="en-ID" dirty="0" err="1"/>
-              <a:t>perempuan</a:t>
-            </a:r>
-            <a:r>
-              <a:rPr lang="en-ID" dirty="0"/>
-              <a:t>.</a:t>
-            </a:r>
-          </a:p>
-          <a:p>
-            <a:r>
-              <a:rPr lang="en-ID" dirty="0"/>
-              <a:t>H1 = </a:t>
-            </a:r>
-            <a:r>
-              <a:rPr lang="en-ID" dirty="0" err="1"/>
-              <a:t>Proporsi</a:t>
-            </a:r>
-            <a:r>
-              <a:rPr lang="en-ID" dirty="0"/>
-              <a:t> </a:t>
-            </a:r>
-            <a:r>
-              <a:rPr lang="en-ID" dirty="0" err="1"/>
-              <a:t>perokok</a:t>
-            </a:r>
-            <a:r>
-              <a:rPr lang="en-ID" dirty="0"/>
-              <a:t> </a:t>
-            </a:r>
-            <a:r>
-              <a:rPr lang="en-ID" dirty="0" err="1"/>
-              <a:t>laki-laki</a:t>
-            </a:r>
-            <a:r>
-              <a:rPr lang="en-ID" dirty="0"/>
-              <a:t> </a:t>
-            </a:r>
-            <a:r>
-              <a:rPr lang="en-ID" dirty="0" err="1"/>
-              <a:t>lebih</a:t>
-            </a:r>
-            <a:r>
-              <a:rPr lang="en-ID" dirty="0"/>
-              <a:t> </a:t>
-            </a:r>
-            <a:r>
-              <a:rPr lang="en-ID" dirty="0" err="1"/>
-              <a:t>kecil</a:t>
-            </a:r>
-            <a:r>
-              <a:rPr lang="en-ID" dirty="0"/>
-              <a:t> </a:t>
-            </a:r>
-            <a:r>
-              <a:rPr lang="en-ID" dirty="0" err="1"/>
-              <a:t>daripada</a:t>
-            </a:r>
-            <a:r>
-              <a:rPr lang="en-ID" dirty="0"/>
-              <a:t> </a:t>
-            </a:r>
-            <a:r>
-              <a:rPr lang="en-ID" dirty="0" err="1"/>
-              <a:t>perokok</a:t>
-            </a:r>
-            <a:r>
-              <a:rPr lang="en-ID" dirty="0"/>
-              <a:t> </a:t>
-            </a:r>
-            <a:r>
-              <a:rPr lang="en-ID" dirty="0" err="1"/>
-              <a:t>perempuan</a:t>
-            </a:r>
-            <a:r>
-              <a:rPr lang="en-ID" dirty="0"/>
-              <a:t>.</a:t>
-            </a:r>
-          </a:p>
-          <a:p>
-            <a:pPr marL="0" indent="0">
-              <a:buNone/>
-            </a:pPr>
-            <a:r>
-              <a:rPr lang="en-ID" dirty="0" err="1"/>
-              <a:t>Dengan</a:t>
-            </a:r>
-            <a:r>
-              <a:rPr lang="en-ID" dirty="0"/>
-              <a:t> </a:t>
-            </a:r>
-            <a:r>
-              <a:rPr lang="en-ID" dirty="0" err="1"/>
-              <a:t>melakukan</a:t>
-            </a:r>
-            <a:r>
-              <a:rPr lang="en-ID" dirty="0"/>
-              <a:t> uji chi-square </a:t>
-            </a:r>
-            <a:r>
-              <a:rPr lang="en-ID" dirty="0" err="1"/>
-              <a:t>didapatkan</a:t>
-            </a:r>
-            <a:r>
-              <a:rPr lang="en-ID" dirty="0"/>
-              <a:t> </a:t>
-            </a:r>
-            <a:r>
-              <a:rPr lang="en-ID" dirty="0" err="1"/>
-              <a:t>nilai</a:t>
-            </a:r>
-            <a:r>
-              <a:rPr lang="en-ID" dirty="0"/>
-              <a:t>:</a:t>
-            </a:r>
-          </a:p>
-          <a:p>
-            <a:pPr marL="0" indent="0">
-              <a:buNone/>
-            </a:pPr>
-            <a:r>
-              <a:rPr lang="en-ID" dirty="0"/>
-              <a:t>P-value: 0.0062765550120107375</a:t>
-            </a:r>
-          </a:p>
-          <a:p>
-            <a:pPr marL="0" indent="0">
-              <a:buNone/>
-            </a:pPr>
-            <a:r>
-              <a:rPr lang="en-ID" dirty="0"/>
-              <a:t>alpha: 0.05</a:t>
-            </a:r>
-          </a:p>
-          <a:p>
-            <a:pPr marL="0" indent="0">
-              <a:buNone/>
-            </a:pPr>
-            <a:br>
-              <a:rPr lang="en-ID" dirty="0"/>
-            </a:br>
-            <a:r>
-              <a:rPr lang="en-ID" b="1" dirty="0" err="1"/>
-              <a:t>Menolak</a:t>
-            </a:r>
-            <a:r>
-              <a:rPr lang="en-ID" b="1" dirty="0"/>
-              <a:t> H0. </a:t>
-            </a:r>
-          </a:p>
-          <a:p>
-            <a:pPr marL="0" indent="0">
-              <a:buNone/>
-            </a:pPr>
-            <a:r>
-              <a:rPr lang="en-ID" b="1" dirty="0" err="1"/>
-              <a:t>Proporsi</a:t>
-            </a:r>
-            <a:r>
-              <a:rPr lang="en-ID" b="1" dirty="0"/>
-              <a:t> </a:t>
-            </a:r>
-            <a:r>
-              <a:rPr lang="en-ID" b="1" dirty="0" err="1"/>
-              <a:t>perokok</a:t>
-            </a:r>
-            <a:r>
-              <a:rPr lang="en-ID" b="1" dirty="0"/>
-              <a:t> </a:t>
-            </a:r>
-            <a:r>
-              <a:rPr lang="en-ID" b="1" dirty="0" err="1"/>
-              <a:t>laki-laki</a:t>
-            </a:r>
-            <a:r>
-              <a:rPr lang="en-ID" b="1" dirty="0"/>
-              <a:t> </a:t>
-            </a:r>
-            <a:r>
-              <a:rPr lang="en-ID" b="1" dirty="0" err="1"/>
-              <a:t>lebih</a:t>
-            </a:r>
-            <a:r>
-              <a:rPr lang="en-ID" b="1" dirty="0"/>
-              <a:t> </a:t>
-            </a:r>
-            <a:r>
-              <a:rPr lang="en-ID" b="1" dirty="0" err="1"/>
-              <a:t>kecil</a:t>
-            </a:r>
-            <a:r>
-              <a:rPr lang="en-ID" b="1" dirty="0"/>
-              <a:t> </a:t>
-            </a:r>
-            <a:r>
-              <a:rPr lang="en-ID" b="1" dirty="0" err="1"/>
-              <a:t>daripada</a:t>
-            </a:r>
-            <a:r>
-              <a:rPr lang="en-ID" b="1" dirty="0"/>
-              <a:t> </a:t>
-            </a:r>
-            <a:r>
-              <a:rPr lang="en-ID" b="1" dirty="0" err="1"/>
-              <a:t>perokok</a:t>
-            </a:r>
-            <a:r>
-              <a:rPr lang="en-ID" b="1" dirty="0"/>
-              <a:t> </a:t>
-            </a:r>
-            <a:r>
-              <a:rPr lang="en-ID" b="1" dirty="0" err="1"/>
-              <a:t>perempuan</a:t>
-            </a:r>
-            <a:r>
-              <a:rPr lang="en-ID" b="1" dirty="0"/>
-              <a:t>.</a:t>
-            </a:r>
-            <a:endParaRPr lang="en-ID" dirty="0"/>
-          </a:p>
-          <a:p>
-            <a:endParaRPr lang="en-ID" dirty="0"/>
-          </a:p>
-          <a:p>
-            <a:endParaRPr lang="en-ID" dirty="0"/>
+            <a:pPr algn="ctr"/>
+            <a:r>
+              <a:rPr lang="en-US" sz="5400" b="1" dirty="0" err="1"/>
+              <a:t>Terima</a:t>
+            </a:r>
+            <a:r>
+              <a:rPr lang="en-US" sz="5400" b="1" dirty="0"/>
+              <a:t> Kasih</a:t>
+            </a:r>
+            <a:endParaRPr lang="en-ID" sz="5400" b="1" dirty="0"/>
           </a:p>
         </p:txBody>
       </p:sp>
     </p:spTree>
     <p:extLst>
       <p:ext uri="{BB962C8B-B14F-4D97-AF65-F5344CB8AC3E}">
-        <p14:creationId xmlns:p14="http://schemas.microsoft.com/office/powerpoint/2010/main" val="3250411242"/>
+        <p14:creationId xmlns:p14="http://schemas.microsoft.com/office/powerpoint/2010/main" val="458975262"/>
       </p:ext>
     </p:extLst>
   </p:cSld>
   <p:clrMapOvr>
     <a:masterClrMapping/>
   </p:clrMapOvr>
-  <p:timing>
-    <p:tnLst>
-      <p:par>
-        <p:cTn id="1" dur="indefinite" restart="never" nodeType="tmRoot">
-          <p:childTnLst>
-            <p:seq concurrent="1" nextAc="seek">
-              <p:cTn id="2" dur="indefinite" nodeType="mainSeq">
-                <p:childTnLst>
-                  <p:par>
-                    <p:cTn id="3" fill="hold">
-                      <p:stCondLst>
-                        <p:cond delay="indefinite"/>
-                      </p:stCondLst>
-                      <p:childTnLst>
-                        <p:par>
-                          <p:cTn id="4" fill="hold">
-                            <p:stCondLst>
-                              <p:cond delay="0"/>
-                            </p:stCondLst>
-                            <p:childTnLst>
-                              <p:par>
-                                <p:cTn id="5" presetID="1" presetClass="entr" presetSubtype="0" fill="hold" nodeType="clickEffect">
-                                  <p:stCondLst>
-                                    <p:cond delay="0"/>
-                                  </p:stCondLst>
-                                  <p:childTnLst>
-                                    <p:set>
-                                      <p:cBhvr>
-                                        <p:cTn id="6" dur="1" fill="hold">
-                                          <p:stCondLst>
-                                            <p:cond delay="0"/>
-                                          </p:stCondLst>
-                                        </p:cTn>
-                                        <p:tgtEl>
-                                          <p:spTgt spid="3">
-                                            <p:txEl>
-                                              <p:pRg st="3" end="3"/>
-                                            </p:txEl>
-                                          </p:spTgt>
-                                        </p:tgtEl>
-                                        <p:attrNameLst>
-                                          <p:attrName>style.visibility</p:attrName>
-                                        </p:attrNameLst>
-                                      </p:cBhvr>
-                                      <p:to>
-                                        <p:strVal val="visible"/>
-                                      </p:to>
-                                    </p:set>
-                                  </p:childTnLst>
-                                </p:cTn>
-                              </p:par>
-                              <p:par>
-                                <p:cTn id="7" presetID="1" presetClass="entr" presetSubtype="0" fill="hold" nodeType="withEffect">
-                                  <p:stCondLst>
-                                    <p:cond delay="0"/>
-                                  </p:stCondLst>
-                                  <p:childTnLst>
-                                    <p:set>
-                                      <p:cBhvr>
-                                        <p:cTn id="8" dur="1" fill="hold">
-                                          <p:stCondLst>
-                                            <p:cond delay="0"/>
-                                          </p:stCondLst>
-                                        </p:cTn>
-                                        <p:tgtEl>
-                                          <p:spTgt spid="3">
-                                            <p:txEl>
-                                              <p:pRg st="4" end="4"/>
-                                            </p:txEl>
-                                          </p:spTgt>
-                                        </p:tgtEl>
-                                        <p:attrNameLst>
-                                          <p:attrName>style.visibility</p:attrName>
-                                        </p:attrNameLst>
-                                      </p:cBhvr>
-                                      <p:to>
-                                        <p:strVal val="visible"/>
-                                      </p:to>
-                                    </p:set>
-                                  </p:childTnLst>
-                                </p:cTn>
-                              </p:par>
-                              <p:par>
-                                <p:cTn id="9" presetID="1" presetClass="entr" presetSubtype="0" fill="hold" nodeType="withEffect">
-                                  <p:stCondLst>
-                                    <p:cond delay="0"/>
-                                  </p:stCondLst>
-                                  <p:childTnLst>
-                                    <p:set>
-                                      <p:cBhvr>
-                                        <p:cTn id="10" dur="1" fill="hold">
-                                          <p:stCondLst>
-                                            <p:cond delay="0"/>
-                                          </p:stCondLst>
-                                        </p:cTn>
-                                        <p:tgtEl>
-                                          <p:spTgt spid="3">
-                                            <p:txEl>
-                                              <p:pRg st="5" end="5"/>
-                                            </p:txEl>
-                                          </p:spTgt>
-                                        </p:tgtEl>
-                                        <p:attrNameLst>
-                                          <p:attrName>style.visibility</p:attrName>
-                                        </p:attrNameLst>
-                                      </p:cBhvr>
-                                      <p:to>
-                                        <p:strVal val="visible"/>
-                                      </p:to>
-                                    </p:set>
-                                  </p:childTnLst>
-                                </p:cTn>
-                              </p:par>
-                            </p:childTnLst>
-                          </p:cTn>
-                        </p:par>
-                      </p:childTnLst>
-                    </p:cTn>
-                  </p:par>
-                  <p:par>
-                    <p:cTn id="11" fill="hold">
-                      <p:stCondLst>
-                        <p:cond delay="indefinite"/>
-                      </p:stCondLst>
-                      <p:childTnLst>
-                        <p:par>
-                          <p:cTn id="12" fill="hold">
-                            <p:stCondLst>
-                              <p:cond delay="0"/>
-                            </p:stCondLst>
-                            <p:childTnLst>
-                              <p:par>
-                                <p:cTn id="13" presetID="1" presetClass="entr" presetSubtype="0" fill="hold" nodeType="clickEffect">
-                                  <p:stCondLst>
-                                    <p:cond delay="0"/>
-                                  </p:stCondLst>
-                                  <p:childTnLst>
-                                    <p:set>
-                                      <p:cBhvr>
-                                        <p:cTn id="14" dur="1" fill="hold">
-                                          <p:stCondLst>
-                                            <p:cond delay="0"/>
-                                          </p:stCondLst>
-                                        </p:cTn>
-                                        <p:tgtEl>
-                                          <p:spTgt spid="3">
-                                            <p:txEl>
-                                              <p:pRg st="6" end="6"/>
-                                            </p:txEl>
-                                          </p:spTgt>
-                                        </p:tgtEl>
-                                        <p:attrNameLst>
-                                          <p:attrName>style.visibility</p:attrName>
-                                        </p:attrNameLst>
-                                      </p:cBhvr>
-                                      <p:to>
-                                        <p:strVal val="visible"/>
-                                      </p:to>
-                                    </p:set>
-                                  </p:childTnLst>
-                                </p:cTn>
-                              </p:par>
-                              <p:par>
-                                <p:cTn id="15" presetID="1" presetClass="entr" presetSubtype="0" fill="hold" nodeType="withEffect">
-                                  <p:stCondLst>
-                                    <p:cond delay="0"/>
-                                  </p:stCondLst>
-                                  <p:childTnLst>
-                                    <p:set>
-                                      <p:cBhvr>
-                                        <p:cTn id="16" dur="1" fill="hold">
-                                          <p:stCondLst>
-                                            <p:cond delay="0"/>
-                                          </p:stCondLst>
-                                        </p:cTn>
-                                        <p:tgtEl>
-                                          <p:spTgt spid="3">
-                                            <p:txEl>
-                                              <p:pRg st="7" end="7"/>
-                                            </p:txEl>
-                                          </p:spTgt>
-                                        </p:tgtEl>
-                                        <p:attrNameLst>
-                                          <p:attrName>style.visibility</p:attrName>
-                                        </p:attrNameLst>
-                                      </p:cBhvr>
-                                      <p:to>
-                                        <p:strVal val="visible"/>
-                                      </p:to>
-                                    </p:set>
-                                  </p:childTnLst>
-                                </p:cTn>
-                              </p:par>
-                            </p:childTnLst>
-                          </p:cTn>
-                        </p:par>
-                      </p:childTnLst>
-                    </p:cTn>
-                  </p:par>
-                </p:childTnLst>
-              </p:cTn>
-              <p:prevCondLst>
-                <p:cond evt="onPrev" delay="0">
-                  <p:tgtEl>
-                    <p:sldTgt/>
-                  </p:tgtEl>
-                </p:cond>
-              </p:prevCondLst>
-              <p:nextCondLst>
-                <p:cond evt="onNext" delay="0">
-                  <p:tgtEl>
-                    <p:sldTgt/>
-                  </p:tgtEl>
-                </p:cond>
-              </p:nextCondLst>
-            </p:seq>
-          </p:childTnLst>
-        </p:cTn>
-      </p:par>
-    </p:tnLst>
-  </p:timing>
 </p:sld>
 </file>
 
@@ -9528,266 +7692,6 @@
     <p:extLst>
       <p:ext uri="{BB962C8B-B14F-4D97-AF65-F5344CB8AC3E}">
         <p14:creationId xmlns:p14="http://schemas.microsoft.com/office/powerpoint/2010/main" val="3888114411"/>
-      </p:ext>
-    </p:extLst>
-  </p:cSld>
-  <p:clrMapOvr>
-    <a:masterClrMapping/>
-  </p:clrMapOvr>
-</p:sld>
-</file>
-
-<file path=ppt/slides/slide20.xml><?xml version="1.0" encoding="utf-8"?>
-<p:sld xmlns:a="http://schemas.openxmlformats.org/drawingml/2006/main" xmlns:r="http://schemas.openxmlformats.org/officeDocument/2006/relationships" xmlns:p="http://schemas.openxmlformats.org/presentationml/2006/main">
-  <p:cSld>
-    <p:spTree>
-      <p:nvGrpSpPr>
-        <p:cNvPr id="1" name=""/>
-        <p:cNvGrpSpPr/>
-        <p:nvPr/>
-      </p:nvGrpSpPr>
-      <p:grpSpPr>
-        <a:xfrm>
-          <a:off x="0" y="0"/>
-          <a:ext cx="0" cy="0"/>
-          <a:chOff x="0" y="0"/>
-          <a:chExt cx="0" cy="0"/>
-        </a:xfrm>
-      </p:grpSpPr>
-      <p:sp>
-        <p:nvSpPr>
-          <p:cNvPr id="2" name="Title 1">
-            <a:extLst>
-              <a:ext uri="{FF2B5EF4-FFF2-40B4-BE49-F238E27FC236}">
-                <a16:creationId xmlns:a16="http://schemas.microsoft.com/office/drawing/2014/main" id="{BE1FC977-9CF3-0C59-A9D3-262693AC66A2}"/>
-              </a:ext>
-            </a:extLst>
-          </p:cNvPr>
-          <p:cNvSpPr>
-            <a:spLocks noGrp="1"/>
-          </p:cNvSpPr>
-          <p:nvPr>
-            <p:ph type="title"/>
-          </p:nvPr>
-        </p:nvSpPr>
-        <p:spPr/>
-        <p:txBody>
-          <a:bodyPr/>
-          <a:lstStyle/>
-          <a:p>
-            <a:r>
-              <a:rPr lang="en-ID" b="1" dirty="0" err="1"/>
-              <a:t>Penutup</a:t>
-            </a:r>
-            <a:endParaRPr lang="en-ID" dirty="0"/>
-          </a:p>
-        </p:txBody>
-      </p:sp>
-      <p:sp>
-        <p:nvSpPr>
-          <p:cNvPr id="3" name="Content Placeholder 2">
-            <a:extLst>
-              <a:ext uri="{FF2B5EF4-FFF2-40B4-BE49-F238E27FC236}">
-                <a16:creationId xmlns:a16="http://schemas.microsoft.com/office/drawing/2014/main" id="{0AF5F6B2-575C-1C00-861D-C0B062C720E6}"/>
-              </a:ext>
-            </a:extLst>
-          </p:cNvPr>
-          <p:cNvSpPr>
-            <a:spLocks noGrp="1"/>
-          </p:cNvSpPr>
-          <p:nvPr>
-            <p:ph idx="1"/>
-          </p:nvPr>
-        </p:nvSpPr>
-        <p:spPr/>
-        <p:txBody>
-          <a:bodyPr>
-            <a:noAutofit/>
-          </a:bodyPr>
-          <a:lstStyle/>
-          <a:p>
-            <a:pPr marL="0" indent="0">
-              <a:buNone/>
-            </a:pPr>
-            <a:r>
-              <a:rPr lang="en-ID" dirty="0" err="1"/>
-              <a:t>Demikianlah</a:t>
-            </a:r>
-            <a:r>
-              <a:rPr lang="en-ID" dirty="0"/>
-              <a:t> short report Probability Project </a:t>
-            </a:r>
-            <a:r>
-              <a:rPr lang="en-ID" dirty="0" err="1"/>
-              <a:t>Pacmann</a:t>
-            </a:r>
-            <a:r>
-              <a:rPr lang="en-ID" dirty="0"/>
-              <a:t> — Data Insurance Analyst. </a:t>
-            </a:r>
-            <a:r>
-              <a:rPr lang="en-ID" dirty="0" err="1"/>
-              <a:t>Informasi</a:t>
-            </a:r>
-            <a:r>
-              <a:rPr lang="en-ID" dirty="0"/>
-              <a:t> </a:t>
-            </a:r>
-            <a:r>
-              <a:rPr lang="en-ID" dirty="0" err="1"/>
-              <a:t>lengkap</a:t>
-            </a:r>
-            <a:r>
-              <a:rPr lang="en-ID" dirty="0"/>
-              <a:t> </a:t>
-            </a:r>
-            <a:r>
-              <a:rPr lang="en-ID" dirty="0" err="1"/>
-              <a:t>tentang</a:t>
-            </a:r>
-            <a:r>
-              <a:rPr lang="en-ID" dirty="0"/>
-              <a:t> </a:t>
-            </a:r>
-            <a:r>
-              <a:rPr lang="en-ID" dirty="0" err="1"/>
-              <a:t>projek</a:t>
-            </a:r>
-            <a:r>
-              <a:rPr lang="en-ID" dirty="0"/>
-              <a:t> </a:t>
-            </a:r>
-            <a:r>
-              <a:rPr lang="en-ID" dirty="0" err="1"/>
-              <a:t>ini</a:t>
-            </a:r>
-            <a:r>
-              <a:rPr lang="en-ID" dirty="0"/>
-              <a:t> </a:t>
-            </a:r>
-            <a:r>
-              <a:rPr lang="en-ID" dirty="0" err="1"/>
-              <a:t>bisa</a:t>
-            </a:r>
-            <a:r>
-              <a:rPr lang="en-ID" dirty="0"/>
-              <a:t> </a:t>
-            </a:r>
-            <a:r>
-              <a:rPr lang="en-ID" dirty="0" err="1"/>
-              <a:t>dilihat</a:t>
-            </a:r>
-            <a:r>
-              <a:rPr lang="en-ID" dirty="0"/>
-              <a:t> pada link </a:t>
-            </a:r>
-            <a:r>
-              <a:rPr lang="en-ID" dirty="0" err="1"/>
-              <a:t>berikut</a:t>
-            </a:r>
-            <a:r>
-              <a:rPr lang="en-ID" dirty="0"/>
-              <a:t>:</a:t>
-            </a:r>
-          </a:p>
-          <a:p>
-            <a:r>
-              <a:rPr lang="en-ID" dirty="0"/>
-              <a:t>Link GitHub : </a:t>
-            </a:r>
-          </a:p>
-          <a:p>
-            <a:r>
-              <a:rPr lang="en-ID" dirty="0"/>
-              <a:t>Link Video YouTube :</a:t>
-            </a:r>
-          </a:p>
-          <a:p>
-            <a:r>
-              <a:rPr lang="en-ID" dirty="0"/>
-              <a:t>Link Medium :</a:t>
-            </a:r>
-          </a:p>
-          <a:p>
-            <a:endParaRPr lang="en-ID" dirty="0"/>
-          </a:p>
-        </p:txBody>
-      </p:sp>
-    </p:spTree>
-    <p:extLst>
-      <p:ext uri="{BB962C8B-B14F-4D97-AF65-F5344CB8AC3E}">
-        <p14:creationId xmlns:p14="http://schemas.microsoft.com/office/powerpoint/2010/main" val="2831367819"/>
-      </p:ext>
-    </p:extLst>
-  </p:cSld>
-  <p:clrMapOvr>
-    <a:masterClrMapping/>
-  </p:clrMapOvr>
-</p:sld>
-</file>
-
-<file path=ppt/slides/slide21.xml><?xml version="1.0" encoding="utf-8"?>
-<p:sld xmlns:a="http://schemas.openxmlformats.org/drawingml/2006/main" xmlns:r="http://schemas.openxmlformats.org/officeDocument/2006/relationships" xmlns:p="http://schemas.openxmlformats.org/presentationml/2006/main">
-  <p:cSld>
-    <p:spTree>
-      <p:nvGrpSpPr>
-        <p:cNvPr id="1" name=""/>
-        <p:cNvGrpSpPr/>
-        <p:nvPr/>
-      </p:nvGrpSpPr>
-      <p:grpSpPr>
-        <a:xfrm>
-          <a:off x="0" y="0"/>
-          <a:ext cx="0" cy="0"/>
-          <a:chOff x="0" y="0"/>
-          <a:chExt cx="0" cy="0"/>
-        </a:xfrm>
-      </p:grpSpPr>
-      <p:sp>
-        <p:nvSpPr>
-          <p:cNvPr id="2" name="Title 1">
-            <a:extLst>
-              <a:ext uri="{FF2B5EF4-FFF2-40B4-BE49-F238E27FC236}">
-                <a16:creationId xmlns:a16="http://schemas.microsoft.com/office/drawing/2014/main" id="{31E56E36-E3F0-383D-97F6-CEC0BE3FB737}"/>
-              </a:ext>
-            </a:extLst>
-          </p:cNvPr>
-          <p:cNvSpPr>
-            <a:spLocks noGrp="1"/>
-          </p:cNvSpPr>
-          <p:nvPr>
-            <p:ph type="title"/>
-          </p:nvPr>
-        </p:nvSpPr>
-        <p:spPr>
-          <a:xfrm>
-            <a:off x="838200" y="2519385"/>
-            <a:ext cx="10515600" cy="1819229"/>
-          </a:xfrm>
-        </p:spPr>
-        <p:txBody>
-          <a:bodyPr>
-            <a:normAutofit/>
-          </a:bodyPr>
-          <a:lstStyle/>
-          <a:p>
-            <a:pPr algn="ctr"/>
-            <a:r>
-              <a:rPr lang="en-US" sz="5400" b="1" dirty="0" err="1"/>
-              <a:t>Terima</a:t>
-            </a:r>
-            <a:r>
-              <a:rPr lang="en-US" sz="5400" b="1" dirty="0"/>
-              <a:t> Kasih</a:t>
-            </a:r>
-            <a:endParaRPr lang="en-ID" sz="5400" b="1" dirty="0"/>
-          </a:p>
-        </p:txBody>
-      </p:sp>
-    </p:spTree>
-    <p:extLst>
-      <p:ext uri="{BB962C8B-B14F-4D97-AF65-F5344CB8AC3E}">
-        <p14:creationId xmlns:p14="http://schemas.microsoft.com/office/powerpoint/2010/main" val="458975262"/>
       </p:ext>
     </p:extLst>
   </p:cSld>
